--- a/pseudo3D_concept.pptx
+++ b/pseudo3D_concept.pptx
@@ -6,6 +6,8 @@
   </p:sldMasterIdLst>
   <p:sldIdLst>
     <p:sldId id="256" r:id="rId2"/>
+    <p:sldId id="257" r:id="rId3"/>
+    <p:sldId id="258" r:id="rId4"/>
   </p:sldIdLst>
   <p:sldSz cx="12192000" cy="6858000"/>
   <p:notesSz cx="6858000" cy="9144000"/>
@@ -104,6 +106,11 @@
       </a:defRPr>
     </a:lvl9pPr>
   </p:defaultTextStyle>
+  <p:extLst>
+    <p:ext uri="{EFAFB233-063F-42B5-8137-9DF3F51BA10A}">
+      <p15:sldGuideLst xmlns:p15="http://schemas.microsoft.com/office/powerpoint/2012/main"/>
+    </p:ext>
+  </p:extLst>
 </p:presentation>
 </file>
 
@@ -149,10 +156,9 @@
           </a:lstStyle>
           <a:p>
             <a:r>
-              <a:rPr lang="zh-TW" altLang="en-US" smtClean="0"/>
+              <a:rPr lang="zh-TW" altLang="en-US"/>
               <a:t>按一下以編輯母片標題樣式</a:t>
             </a:r>
-            <a:endParaRPr lang="zh-TW" altLang="en-US"/>
           </a:p>
         </p:txBody>
       </p:sp>
@@ -214,10 +220,9 @@
           </a:lstStyle>
           <a:p>
             <a:r>
-              <a:rPr lang="zh-TW" altLang="en-US" smtClean="0"/>
+              <a:rPr lang="zh-TW" altLang="en-US"/>
               <a:t>按一下以編輯母片副標題樣式</a:t>
             </a:r>
-            <a:endParaRPr lang="zh-TW" altLang="en-US"/>
           </a:p>
         </p:txBody>
       </p:sp>
@@ -238,7 +243,7 @@
           <a:p>
             <a:fld id="{596B93AF-29D6-4A8A-8B01-64542FC53815}" type="datetimeFigureOut">
               <a:rPr lang="zh-TW" altLang="en-US" smtClean="0"/>
-              <a:t>2020/10/22</a:t>
+              <a:t>2021/1/24</a:t>
             </a:fld>
             <a:endParaRPr lang="zh-TW" altLang="en-US"/>
           </a:p>
@@ -332,10 +337,9 @@
           <a:lstStyle/>
           <a:p>
             <a:r>
-              <a:rPr lang="zh-TW" altLang="en-US" smtClean="0"/>
+              <a:rPr lang="zh-TW" altLang="en-US"/>
               <a:t>按一下以編輯母片標題樣式</a:t>
             </a:r>
-            <a:endParaRPr lang="zh-TW" altLang="en-US"/>
           </a:p>
         </p:txBody>
       </p:sp>
@@ -356,38 +360,37 @@
           <a:p>
             <a:pPr lvl="0"/>
             <a:r>
-              <a:rPr lang="zh-TW" altLang="en-US" smtClean="0"/>
+              <a:rPr lang="zh-TW" altLang="en-US"/>
               <a:t>編輯母片文字樣式</a:t>
             </a:r>
           </a:p>
           <a:p>
             <a:pPr lvl="1"/>
             <a:r>
-              <a:rPr lang="zh-TW" altLang="en-US" smtClean="0"/>
+              <a:rPr lang="zh-TW" altLang="en-US"/>
               <a:t>第二層</a:t>
             </a:r>
           </a:p>
           <a:p>
             <a:pPr lvl="2"/>
             <a:r>
-              <a:rPr lang="zh-TW" altLang="en-US" smtClean="0"/>
+              <a:rPr lang="zh-TW" altLang="en-US"/>
               <a:t>第三層</a:t>
             </a:r>
           </a:p>
           <a:p>
             <a:pPr lvl="3"/>
             <a:r>
-              <a:rPr lang="zh-TW" altLang="en-US" smtClean="0"/>
+              <a:rPr lang="zh-TW" altLang="en-US"/>
               <a:t>第四層</a:t>
             </a:r>
           </a:p>
           <a:p>
             <a:pPr lvl="4"/>
             <a:r>
-              <a:rPr lang="zh-TW" altLang="en-US" smtClean="0"/>
+              <a:rPr lang="zh-TW" altLang="en-US"/>
               <a:t>第五層</a:t>
             </a:r>
-            <a:endParaRPr lang="zh-TW" altLang="en-US"/>
           </a:p>
         </p:txBody>
       </p:sp>
@@ -408,7 +411,7 @@
           <a:p>
             <a:fld id="{596B93AF-29D6-4A8A-8B01-64542FC53815}" type="datetimeFigureOut">
               <a:rPr lang="zh-TW" altLang="en-US" smtClean="0"/>
-              <a:t>2020/10/22</a:t>
+              <a:t>2021/1/24</a:t>
             </a:fld>
             <a:endParaRPr lang="zh-TW" altLang="en-US"/>
           </a:p>
@@ -507,10 +510,9 @@
           <a:lstStyle/>
           <a:p>
             <a:r>
-              <a:rPr lang="zh-TW" altLang="en-US" smtClean="0"/>
+              <a:rPr lang="zh-TW" altLang="en-US"/>
               <a:t>按一下以編輯母片標題樣式</a:t>
             </a:r>
-            <a:endParaRPr lang="zh-TW" altLang="en-US"/>
           </a:p>
         </p:txBody>
       </p:sp>
@@ -536,38 +538,37 @@
           <a:p>
             <a:pPr lvl="0"/>
             <a:r>
-              <a:rPr lang="zh-TW" altLang="en-US" smtClean="0"/>
+              <a:rPr lang="zh-TW" altLang="en-US"/>
               <a:t>編輯母片文字樣式</a:t>
             </a:r>
           </a:p>
           <a:p>
             <a:pPr lvl="1"/>
             <a:r>
-              <a:rPr lang="zh-TW" altLang="en-US" smtClean="0"/>
+              <a:rPr lang="zh-TW" altLang="en-US"/>
               <a:t>第二層</a:t>
             </a:r>
           </a:p>
           <a:p>
             <a:pPr lvl="2"/>
             <a:r>
-              <a:rPr lang="zh-TW" altLang="en-US" smtClean="0"/>
+              <a:rPr lang="zh-TW" altLang="en-US"/>
               <a:t>第三層</a:t>
             </a:r>
           </a:p>
           <a:p>
             <a:pPr lvl="3"/>
             <a:r>
-              <a:rPr lang="zh-TW" altLang="en-US" smtClean="0"/>
+              <a:rPr lang="zh-TW" altLang="en-US"/>
               <a:t>第四層</a:t>
             </a:r>
           </a:p>
           <a:p>
             <a:pPr lvl="4"/>
             <a:r>
-              <a:rPr lang="zh-TW" altLang="en-US" smtClean="0"/>
+              <a:rPr lang="zh-TW" altLang="en-US"/>
               <a:t>第五層</a:t>
             </a:r>
-            <a:endParaRPr lang="zh-TW" altLang="en-US"/>
           </a:p>
         </p:txBody>
       </p:sp>
@@ -588,7 +589,7 @@
           <a:p>
             <a:fld id="{596B93AF-29D6-4A8A-8B01-64542FC53815}" type="datetimeFigureOut">
               <a:rPr lang="zh-TW" altLang="en-US" smtClean="0"/>
-              <a:t>2020/10/22</a:t>
+              <a:t>2021/1/24</a:t>
             </a:fld>
             <a:endParaRPr lang="zh-TW" altLang="en-US"/>
           </a:p>
@@ -682,10 +683,9 @@
           <a:lstStyle/>
           <a:p>
             <a:r>
-              <a:rPr lang="zh-TW" altLang="en-US" smtClean="0"/>
+              <a:rPr lang="zh-TW" altLang="en-US"/>
               <a:t>按一下以編輯母片標題樣式</a:t>
             </a:r>
-            <a:endParaRPr lang="zh-TW" altLang="en-US"/>
           </a:p>
         </p:txBody>
       </p:sp>
@@ -706,38 +706,37 @@
           <a:p>
             <a:pPr lvl="0"/>
             <a:r>
-              <a:rPr lang="zh-TW" altLang="en-US" smtClean="0"/>
+              <a:rPr lang="zh-TW" altLang="en-US"/>
               <a:t>編輯母片文字樣式</a:t>
             </a:r>
           </a:p>
           <a:p>
             <a:pPr lvl="1"/>
             <a:r>
-              <a:rPr lang="zh-TW" altLang="en-US" smtClean="0"/>
+              <a:rPr lang="zh-TW" altLang="en-US"/>
               <a:t>第二層</a:t>
             </a:r>
           </a:p>
           <a:p>
             <a:pPr lvl="2"/>
             <a:r>
-              <a:rPr lang="zh-TW" altLang="en-US" smtClean="0"/>
+              <a:rPr lang="zh-TW" altLang="en-US"/>
               <a:t>第三層</a:t>
             </a:r>
           </a:p>
           <a:p>
             <a:pPr lvl="3"/>
             <a:r>
-              <a:rPr lang="zh-TW" altLang="en-US" smtClean="0"/>
+              <a:rPr lang="zh-TW" altLang="en-US"/>
               <a:t>第四層</a:t>
             </a:r>
           </a:p>
           <a:p>
             <a:pPr lvl="4"/>
             <a:r>
-              <a:rPr lang="zh-TW" altLang="en-US" smtClean="0"/>
+              <a:rPr lang="zh-TW" altLang="en-US"/>
               <a:t>第五層</a:t>
             </a:r>
-            <a:endParaRPr lang="zh-TW" altLang="en-US"/>
           </a:p>
         </p:txBody>
       </p:sp>
@@ -758,7 +757,7 @@
           <a:p>
             <a:fld id="{596B93AF-29D6-4A8A-8B01-64542FC53815}" type="datetimeFigureOut">
               <a:rPr lang="zh-TW" altLang="en-US" smtClean="0"/>
-              <a:t>2020/10/22</a:t>
+              <a:t>2021/1/24</a:t>
             </a:fld>
             <a:endParaRPr lang="zh-TW" altLang="en-US"/>
           </a:p>
@@ -861,10 +860,9 @@
           </a:lstStyle>
           <a:p>
             <a:r>
-              <a:rPr lang="zh-TW" altLang="en-US" smtClean="0"/>
+              <a:rPr lang="zh-TW" altLang="en-US"/>
               <a:t>按一下以編輯母片標題樣式</a:t>
             </a:r>
-            <a:endParaRPr lang="zh-TW" altLang="en-US"/>
           </a:p>
         </p:txBody>
       </p:sp>
@@ -981,7 +979,7 @@
           <a:p>
             <a:pPr lvl="0"/>
             <a:r>
-              <a:rPr lang="zh-TW" altLang="en-US" smtClean="0"/>
+              <a:rPr lang="zh-TW" altLang="en-US"/>
               <a:t>編輯母片文字樣式</a:t>
             </a:r>
           </a:p>
@@ -1004,7 +1002,7 @@
           <a:p>
             <a:fld id="{596B93AF-29D6-4A8A-8B01-64542FC53815}" type="datetimeFigureOut">
               <a:rPr lang="zh-TW" altLang="en-US" smtClean="0"/>
-              <a:t>2020/10/22</a:t>
+              <a:t>2021/1/24</a:t>
             </a:fld>
             <a:endParaRPr lang="zh-TW" altLang="en-US"/>
           </a:p>
@@ -1098,10 +1096,9 @@
           <a:lstStyle/>
           <a:p>
             <a:r>
-              <a:rPr lang="zh-TW" altLang="en-US" smtClean="0"/>
+              <a:rPr lang="zh-TW" altLang="en-US"/>
               <a:t>按一下以編輯母片標題樣式</a:t>
             </a:r>
-            <a:endParaRPr lang="zh-TW" altLang="en-US"/>
           </a:p>
         </p:txBody>
       </p:sp>
@@ -1127,38 +1124,37 @@
           <a:p>
             <a:pPr lvl="0"/>
             <a:r>
-              <a:rPr lang="zh-TW" altLang="en-US" smtClean="0"/>
+              <a:rPr lang="zh-TW" altLang="en-US"/>
               <a:t>編輯母片文字樣式</a:t>
             </a:r>
           </a:p>
           <a:p>
             <a:pPr lvl="1"/>
             <a:r>
-              <a:rPr lang="zh-TW" altLang="en-US" smtClean="0"/>
+              <a:rPr lang="zh-TW" altLang="en-US"/>
               <a:t>第二層</a:t>
             </a:r>
           </a:p>
           <a:p>
             <a:pPr lvl="2"/>
             <a:r>
-              <a:rPr lang="zh-TW" altLang="en-US" smtClean="0"/>
+              <a:rPr lang="zh-TW" altLang="en-US"/>
               <a:t>第三層</a:t>
             </a:r>
           </a:p>
           <a:p>
             <a:pPr lvl="3"/>
             <a:r>
-              <a:rPr lang="zh-TW" altLang="en-US" smtClean="0"/>
+              <a:rPr lang="zh-TW" altLang="en-US"/>
               <a:t>第四層</a:t>
             </a:r>
           </a:p>
           <a:p>
             <a:pPr lvl="4"/>
             <a:r>
-              <a:rPr lang="zh-TW" altLang="en-US" smtClean="0"/>
+              <a:rPr lang="zh-TW" altLang="en-US"/>
               <a:t>第五層</a:t>
             </a:r>
-            <a:endParaRPr lang="zh-TW" altLang="en-US"/>
           </a:p>
         </p:txBody>
       </p:sp>
@@ -1184,38 +1180,37 @@
           <a:p>
             <a:pPr lvl="0"/>
             <a:r>
-              <a:rPr lang="zh-TW" altLang="en-US" smtClean="0"/>
+              <a:rPr lang="zh-TW" altLang="en-US"/>
               <a:t>編輯母片文字樣式</a:t>
             </a:r>
           </a:p>
           <a:p>
             <a:pPr lvl="1"/>
             <a:r>
-              <a:rPr lang="zh-TW" altLang="en-US" smtClean="0"/>
+              <a:rPr lang="zh-TW" altLang="en-US"/>
               <a:t>第二層</a:t>
             </a:r>
           </a:p>
           <a:p>
             <a:pPr lvl="2"/>
             <a:r>
-              <a:rPr lang="zh-TW" altLang="en-US" smtClean="0"/>
+              <a:rPr lang="zh-TW" altLang="en-US"/>
               <a:t>第三層</a:t>
             </a:r>
           </a:p>
           <a:p>
             <a:pPr lvl="3"/>
             <a:r>
-              <a:rPr lang="zh-TW" altLang="en-US" smtClean="0"/>
+              <a:rPr lang="zh-TW" altLang="en-US"/>
               <a:t>第四層</a:t>
             </a:r>
           </a:p>
           <a:p>
             <a:pPr lvl="4"/>
             <a:r>
-              <a:rPr lang="zh-TW" altLang="en-US" smtClean="0"/>
+              <a:rPr lang="zh-TW" altLang="en-US"/>
               <a:t>第五層</a:t>
             </a:r>
-            <a:endParaRPr lang="zh-TW" altLang="en-US"/>
           </a:p>
         </p:txBody>
       </p:sp>
@@ -1236,7 +1231,7 @@
           <a:p>
             <a:fld id="{596B93AF-29D6-4A8A-8B01-64542FC53815}" type="datetimeFigureOut">
               <a:rPr lang="zh-TW" altLang="en-US" smtClean="0"/>
-              <a:t>2020/10/22</a:t>
+              <a:t>2021/1/24</a:t>
             </a:fld>
             <a:endParaRPr lang="zh-TW" altLang="en-US"/>
           </a:p>
@@ -1335,10 +1330,9 @@
           <a:lstStyle/>
           <a:p>
             <a:r>
-              <a:rPr lang="zh-TW" altLang="en-US" smtClean="0"/>
+              <a:rPr lang="zh-TW" altLang="en-US"/>
               <a:t>按一下以編輯母片標題樣式</a:t>
             </a:r>
-            <a:endParaRPr lang="zh-TW" altLang="en-US"/>
           </a:p>
         </p:txBody>
       </p:sp>
@@ -1401,7 +1395,7 @@
           <a:p>
             <a:pPr lvl="0"/>
             <a:r>
-              <a:rPr lang="zh-TW" altLang="en-US" smtClean="0"/>
+              <a:rPr lang="zh-TW" altLang="en-US"/>
               <a:t>編輯母片文字樣式</a:t>
             </a:r>
           </a:p>
@@ -1429,38 +1423,37 @@
           <a:p>
             <a:pPr lvl="0"/>
             <a:r>
-              <a:rPr lang="zh-TW" altLang="en-US" smtClean="0"/>
+              <a:rPr lang="zh-TW" altLang="en-US"/>
               <a:t>編輯母片文字樣式</a:t>
             </a:r>
           </a:p>
           <a:p>
             <a:pPr lvl="1"/>
             <a:r>
-              <a:rPr lang="zh-TW" altLang="en-US" smtClean="0"/>
+              <a:rPr lang="zh-TW" altLang="en-US"/>
               <a:t>第二層</a:t>
             </a:r>
           </a:p>
           <a:p>
             <a:pPr lvl="2"/>
             <a:r>
-              <a:rPr lang="zh-TW" altLang="en-US" smtClean="0"/>
+              <a:rPr lang="zh-TW" altLang="en-US"/>
               <a:t>第三層</a:t>
             </a:r>
           </a:p>
           <a:p>
             <a:pPr lvl="3"/>
             <a:r>
-              <a:rPr lang="zh-TW" altLang="en-US" smtClean="0"/>
+              <a:rPr lang="zh-TW" altLang="en-US"/>
               <a:t>第四層</a:t>
             </a:r>
           </a:p>
           <a:p>
             <a:pPr lvl="4"/>
             <a:r>
-              <a:rPr lang="zh-TW" altLang="en-US" smtClean="0"/>
+              <a:rPr lang="zh-TW" altLang="en-US"/>
               <a:t>第五層</a:t>
             </a:r>
-            <a:endParaRPr lang="zh-TW" altLang="en-US"/>
           </a:p>
         </p:txBody>
       </p:sp>
@@ -1523,7 +1516,7 @@
           <a:p>
             <a:pPr lvl="0"/>
             <a:r>
-              <a:rPr lang="zh-TW" altLang="en-US" smtClean="0"/>
+              <a:rPr lang="zh-TW" altLang="en-US"/>
               <a:t>編輯母片文字樣式</a:t>
             </a:r>
           </a:p>
@@ -1551,38 +1544,37 @@
           <a:p>
             <a:pPr lvl="0"/>
             <a:r>
-              <a:rPr lang="zh-TW" altLang="en-US" smtClean="0"/>
+              <a:rPr lang="zh-TW" altLang="en-US"/>
               <a:t>編輯母片文字樣式</a:t>
             </a:r>
           </a:p>
           <a:p>
             <a:pPr lvl="1"/>
             <a:r>
-              <a:rPr lang="zh-TW" altLang="en-US" smtClean="0"/>
+              <a:rPr lang="zh-TW" altLang="en-US"/>
               <a:t>第二層</a:t>
             </a:r>
           </a:p>
           <a:p>
             <a:pPr lvl="2"/>
             <a:r>
-              <a:rPr lang="zh-TW" altLang="en-US" smtClean="0"/>
+              <a:rPr lang="zh-TW" altLang="en-US"/>
               <a:t>第三層</a:t>
             </a:r>
           </a:p>
           <a:p>
             <a:pPr lvl="3"/>
             <a:r>
-              <a:rPr lang="zh-TW" altLang="en-US" smtClean="0"/>
+              <a:rPr lang="zh-TW" altLang="en-US"/>
               <a:t>第四層</a:t>
             </a:r>
           </a:p>
           <a:p>
             <a:pPr lvl="4"/>
             <a:r>
-              <a:rPr lang="zh-TW" altLang="en-US" smtClean="0"/>
+              <a:rPr lang="zh-TW" altLang="en-US"/>
               <a:t>第五層</a:t>
             </a:r>
-            <a:endParaRPr lang="zh-TW" altLang="en-US"/>
           </a:p>
         </p:txBody>
       </p:sp>
@@ -1603,7 +1595,7 @@
           <a:p>
             <a:fld id="{596B93AF-29D6-4A8A-8B01-64542FC53815}" type="datetimeFigureOut">
               <a:rPr lang="zh-TW" altLang="en-US" smtClean="0"/>
-              <a:t>2020/10/22</a:t>
+              <a:t>2021/1/24</a:t>
             </a:fld>
             <a:endParaRPr lang="zh-TW" altLang="en-US"/>
           </a:p>
@@ -1697,10 +1689,9 @@
           <a:lstStyle/>
           <a:p>
             <a:r>
-              <a:rPr lang="zh-TW" altLang="en-US" smtClean="0"/>
+              <a:rPr lang="zh-TW" altLang="en-US"/>
               <a:t>按一下以編輯母片標題樣式</a:t>
             </a:r>
-            <a:endParaRPr lang="zh-TW" altLang="en-US"/>
           </a:p>
         </p:txBody>
       </p:sp>
@@ -1721,7 +1712,7 @@
           <a:p>
             <a:fld id="{596B93AF-29D6-4A8A-8B01-64542FC53815}" type="datetimeFigureOut">
               <a:rPr lang="zh-TW" altLang="en-US" smtClean="0"/>
-              <a:t>2020/10/22</a:t>
+              <a:t>2021/1/24</a:t>
             </a:fld>
             <a:endParaRPr lang="zh-TW" altLang="en-US"/>
           </a:p>
@@ -1816,7 +1807,7 @@
           <a:p>
             <a:fld id="{596B93AF-29D6-4A8A-8B01-64542FC53815}" type="datetimeFigureOut">
               <a:rPr lang="zh-TW" altLang="en-US" smtClean="0"/>
-              <a:t>2020/10/22</a:t>
+              <a:t>2021/1/24</a:t>
             </a:fld>
             <a:endParaRPr lang="zh-TW" altLang="en-US"/>
           </a:p>
@@ -1919,10 +1910,9 @@
           </a:lstStyle>
           <a:p>
             <a:r>
-              <a:rPr lang="zh-TW" altLang="en-US" smtClean="0"/>
+              <a:rPr lang="zh-TW" altLang="en-US"/>
               <a:t>按一下以編輯母片標題樣式</a:t>
             </a:r>
-            <a:endParaRPr lang="zh-TW" altLang="en-US"/>
           </a:p>
         </p:txBody>
       </p:sp>
@@ -1976,38 +1966,37 @@
           <a:p>
             <a:pPr lvl="0"/>
             <a:r>
-              <a:rPr lang="zh-TW" altLang="en-US" smtClean="0"/>
+              <a:rPr lang="zh-TW" altLang="en-US"/>
               <a:t>編輯母片文字樣式</a:t>
             </a:r>
           </a:p>
           <a:p>
             <a:pPr lvl="1"/>
             <a:r>
-              <a:rPr lang="zh-TW" altLang="en-US" smtClean="0"/>
+              <a:rPr lang="zh-TW" altLang="en-US"/>
               <a:t>第二層</a:t>
             </a:r>
           </a:p>
           <a:p>
             <a:pPr lvl="2"/>
             <a:r>
-              <a:rPr lang="zh-TW" altLang="en-US" smtClean="0"/>
+              <a:rPr lang="zh-TW" altLang="en-US"/>
               <a:t>第三層</a:t>
             </a:r>
           </a:p>
           <a:p>
             <a:pPr lvl="3"/>
             <a:r>
-              <a:rPr lang="zh-TW" altLang="en-US" smtClean="0"/>
+              <a:rPr lang="zh-TW" altLang="en-US"/>
               <a:t>第四層</a:t>
             </a:r>
           </a:p>
           <a:p>
             <a:pPr lvl="4"/>
             <a:r>
-              <a:rPr lang="zh-TW" altLang="en-US" smtClean="0"/>
+              <a:rPr lang="zh-TW" altLang="en-US"/>
               <a:t>第五層</a:t>
             </a:r>
-            <a:endParaRPr lang="zh-TW" altLang="en-US"/>
           </a:p>
         </p:txBody>
       </p:sp>
@@ -2070,7 +2059,7 @@
           <a:p>
             <a:pPr lvl="0"/>
             <a:r>
-              <a:rPr lang="zh-TW" altLang="en-US" smtClean="0"/>
+              <a:rPr lang="zh-TW" altLang="en-US"/>
               <a:t>編輯母片文字樣式</a:t>
             </a:r>
           </a:p>
@@ -2093,7 +2082,7 @@
           <a:p>
             <a:fld id="{596B93AF-29D6-4A8A-8B01-64542FC53815}" type="datetimeFigureOut">
               <a:rPr lang="zh-TW" altLang="en-US" smtClean="0"/>
-              <a:t>2020/10/22</a:t>
+              <a:t>2021/1/24</a:t>
             </a:fld>
             <a:endParaRPr lang="zh-TW" altLang="en-US"/>
           </a:p>
@@ -2196,10 +2185,9 @@
           </a:lstStyle>
           <a:p>
             <a:r>
-              <a:rPr lang="zh-TW" altLang="en-US" smtClean="0"/>
+              <a:rPr lang="zh-TW" altLang="en-US"/>
               <a:t>按一下以編輯母片標題樣式</a:t>
             </a:r>
-            <a:endParaRPr lang="zh-TW" altLang="en-US"/>
           </a:p>
         </p:txBody>
       </p:sp>
@@ -2323,7 +2311,7 @@
           <a:p>
             <a:pPr lvl="0"/>
             <a:r>
-              <a:rPr lang="zh-TW" altLang="en-US" smtClean="0"/>
+              <a:rPr lang="zh-TW" altLang="en-US"/>
               <a:t>編輯母片文字樣式</a:t>
             </a:r>
           </a:p>
@@ -2346,7 +2334,7 @@
           <a:p>
             <a:fld id="{596B93AF-29D6-4A8A-8B01-64542FC53815}" type="datetimeFigureOut">
               <a:rPr lang="zh-TW" altLang="en-US" smtClean="0"/>
-              <a:t>2020/10/22</a:t>
+              <a:t>2021/1/24</a:t>
             </a:fld>
             <a:endParaRPr lang="zh-TW" altLang="en-US"/>
           </a:p>
@@ -2455,10 +2443,9 @@
           <a:lstStyle/>
           <a:p>
             <a:r>
-              <a:rPr lang="zh-TW" altLang="en-US" smtClean="0"/>
+              <a:rPr lang="zh-TW" altLang="en-US"/>
               <a:t>按一下以編輯母片標題樣式</a:t>
             </a:r>
-            <a:endParaRPr lang="zh-TW" altLang="en-US"/>
           </a:p>
         </p:txBody>
       </p:sp>
@@ -2489,38 +2476,37 @@
           <a:p>
             <a:pPr lvl="0"/>
             <a:r>
-              <a:rPr lang="zh-TW" altLang="en-US" smtClean="0"/>
+              <a:rPr lang="zh-TW" altLang="en-US"/>
               <a:t>編輯母片文字樣式</a:t>
             </a:r>
           </a:p>
           <a:p>
             <a:pPr lvl="1"/>
             <a:r>
-              <a:rPr lang="zh-TW" altLang="en-US" smtClean="0"/>
+              <a:rPr lang="zh-TW" altLang="en-US"/>
               <a:t>第二層</a:t>
             </a:r>
           </a:p>
           <a:p>
             <a:pPr lvl="2"/>
             <a:r>
-              <a:rPr lang="zh-TW" altLang="en-US" smtClean="0"/>
+              <a:rPr lang="zh-TW" altLang="en-US"/>
               <a:t>第三層</a:t>
             </a:r>
           </a:p>
           <a:p>
             <a:pPr lvl="3"/>
             <a:r>
-              <a:rPr lang="zh-TW" altLang="en-US" smtClean="0"/>
+              <a:rPr lang="zh-TW" altLang="en-US"/>
               <a:t>第四層</a:t>
             </a:r>
           </a:p>
           <a:p>
             <a:pPr lvl="4"/>
             <a:r>
-              <a:rPr lang="zh-TW" altLang="en-US" smtClean="0"/>
+              <a:rPr lang="zh-TW" altLang="en-US"/>
               <a:t>第五層</a:t>
             </a:r>
-            <a:endParaRPr lang="zh-TW" altLang="en-US"/>
           </a:p>
         </p:txBody>
       </p:sp>
@@ -2559,7 +2545,7 @@
           <a:p>
             <a:fld id="{596B93AF-29D6-4A8A-8B01-64542FC53815}" type="datetimeFigureOut">
               <a:rPr lang="zh-TW" altLang="en-US" smtClean="0"/>
-              <a:t>2020/10/22</a:t>
+              <a:t>2021/1/24</a:t>
             </a:fld>
             <a:endParaRPr lang="zh-TW" altLang="en-US"/>
           </a:p>
@@ -5159,7 +5145,7 @@
           <a:lstStyle/>
           <a:p>
             <a:r>
-              <a:rPr lang="en-US" altLang="zh-TW" dirty="0" smtClean="0">
+              <a:rPr lang="en-US" altLang="zh-TW" dirty="0">
                 <a:solidFill>
                   <a:srgbClr val="FF0000"/>
                 </a:solidFill>
@@ -5198,11 +5184,7 @@
           <a:p>
             <a:r>
               <a:rPr lang="en-US" altLang="zh-TW" dirty="0"/>
-              <a:t>F</a:t>
-            </a:r>
-            <a:r>
-              <a:rPr lang="en-US" altLang="zh-TW" dirty="0" smtClean="0"/>
-              <a:t>ocal</a:t>
+              <a:t>Focal</a:t>
             </a:r>
             <a:endParaRPr lang="zh-TW" altLang="en-US" dirty="0"/>
           </a:p>
@@ -5304,18 +5286,10 @@
                   <a:srgbClr val="68A2D7"/>
                 </a:solidFill>
               </a:rPr>
-              <a:t>T</a:t>
-            </a:r>
-            <a:r>
-              <a:rPr lang="en-US" altLang="zh-TW" dirty="0" err="1" smtClean="0">
-                <a:solidFill>
-                  <a:srgbClr val="68A2D7"/>
-                </a:solidFill>
-              </a:rPr>
-              <a:t>racklet</a:t>
-            </a:r>
-            <a:r>
-              <a:rPr lang="en-US" altLang="zh-TW" dirty="0" smtClean="0">
+              <a:t>Tracklet</a:t>
+            </a:r>
+            <a:r>
+              <a:rPr lang="en-US" altLang="zh-TW" dirty="0">
                 <a:solidFill>
                   <a:srgbClr val="68A2D7"/>
                 </a:solidFill>
@@ -5353,7 +5327,7 @@
           <a:lstStyle/>
           <a:p>
             <a:r>
-              <a:rPr lang="en-US" altLang="zh-TW" dirty="0" smtClean="0">
+              <a:rPr lang="en-US" altLang="zh-TW" dirty="0">
                 <a:solidFill>
                   <a:srgbClr val="B2B2B2"/>
                 </a:solidFill>
@@ -5361,19 +5335,19 @@
               <a:t>Optical rays </a:t>
             </a:r>
             <a:r>
-              <a:rPr lang="en-US" altLang="zh-TW" dirty="0" smtClean="0"/>
+              <a:rPr lang="en-US" altLang="zh-TW" dirty="0"/>
               <a:t>of 2d </a:t>
             </a:r>
             <a:r>
-              <a:rPr lang="en-US" altLang="zh-TW" dirty="0" err="1" smtClean="0"/>
+              <a:rPr lang="en-US" altLang="zh-TW" dirty="0" err="1"/>
               <a:t>tracklet</a:t>
             </a:r>
             <a:r>
-              <a:rPr lang="en-US" altLang="zh-TW" dirty="0" smtClean="0"/>
+              <a:rPr lang="en-US" altLang="zh-TW" dirty="0"/>
               <a:t> </a:t>
             </a:r>
             <a:r>
-              <a:rPr lang="en-US" altLang="zh-TW" dirty="0" smtClean="0">
+              <a:rPr lang="en-US" altLang="zh-TW" dirty="0">
                 <a:solidFill>
                   <a:srgbClr val="B2B2B2"/>
                 </a:solidFill>
@@ -5381,7 +5355,7 @@
               <a:t>V</a:t>
             </a:r>
             <a:r>
-              <a:rPr lang="en-US" altLang="zh-TW" baseline="-25000" dirty="0" smtClean="0">
+              <a:rPr lang="en-US" altLang="zh-TW" baseline="-25000" dirty="0">
                 <a:solidFill>
                   <a:srgbClr val="B2B2B2"/>
                 </a:solidFill>
@@ -5389,7 +5363,7 @@
               <a:t>i </a:t>
             </a:r>
             <a:r>
-              <a:rPr lang="en-US" altLang="zh-TW" dirty="0" smtClean="0">
+              <a:rPr lang="en-US" altLang="zh-TW" dirty="0">
                 <a:solidFill>
                   <a:srgbClr val="B2B2B2"/>
                 </a:solidFill>
@@ -5397,7 +5371,7 @@
               <a:t>=  </a:t>
             </a:r>
             <a:r>
-              <a:rPr lang="el-GR" altLang="zh-TW" dirty="0" smtClean="0">
+              <a:rPr lang="el-GR" altLang="zh-TW" dirty="0">
                 <a:solidFill>
                   <a:srgbClr val="B2B2B2"/>
                 </a:solidFill>
@@ -5405,7 +5379,7 @@
               <a:t>ρ</a:t>
             </a:r>
             <a:r>
-              <a:rPr lang="en-US" altLang="zh-TW" dirty="0" smtClean="0">
+              <a:rPr lang="en-US" altLang="zh-TW" dirty="0">
                 <a:solidFill>
                   <a:srgbClr val="B2B2B2"/>
                 </a:solidFill>
@@ -5413,7 +5387,7 @@
               <a:t>P</a:t>
             </a:r>
             <a:r>
-              <a:rPr lang="en-US" altLang="zh-TW" baseline="-25000" dirty="0" smtClean="0">
+              <a:rPr lang="en-US" altLang="zh-TW" baseline="-25000" dirty="0">
                 <a:solidFill>
                   <a:srgbClr val="B2B2B2"/>
                 </a:solidFill>
@@ -5421,20 +5395,16 @@
               <a:t>2d_i</a:t>
             </a:r>
             <a:r>
-              <a:rPr lang="en-US" altLang="zh-TW" dirty="0" smtClean="0"/>
+              <a:rPr lang="en-US" altLang="zh-TW" dirty="0"/>
               <a:t>, where </a:t>
             </a:r>
             <a:r>
-              <a:rPr lang="el-GR" altLang="zh-TW" dirty="0" smtClean="0"/>
+              <a:rPr lang="el-GR" altLang="zh-TW" dirty="0"/>
               <a:t>ρ</a:t>
             </a:r>
             <a:r>
-              <a:rPr lang="en-US" altLang="zh-TW" dirty="0" smtClean="0"/>
-              <a:t> is scaling factor</a:t>
-            </a:r>
-            <a:r>
-              <a:rPr lang="en-US" altLang="zh-TW" dirty="0" smtClean="0"/>
-              <a:t> </a:t>
+              <a:rPr lang="en-US" altLang="zh-TW" dirty="0"/>
+              <a:t> is scaling factor </a:t>
             </a:r>
             <a:endParaRPr lang="zh-TW" altLang="en-US" baseline="-25000" dirty="0"/>
           </a:p>
@@ -5467,7 +5437,7 @@
           <a:lstStyle/>
           <a:p>
             <a:r>
-              <a:rPr lang="en-US" altLang="zh-TW" dirty="0" smtClean="0">
+              <a:rPr lang="en-US" altLang="zh-TW" dirty="0">
                 <a:solidFill>
                   <a:srgbClr val="7030A0"/>
                 </a:solidFill>
@@ -5475,7 +5445,7 @@
               <a:t>2d </a:t>
             </a:r>
             <a:r>
-              <a:rPr lang="en-US" altLang="zh-TW" dirty="0" err="1" smtClean="0">
+              <a:rPr lang="en-US" altLang="zh-TW" dirty="0" err="1">
                 <a:solidFill>
                   <a:srgbClr val="7030A0"/>
                 </a:solidFill>
@@ -5483,7 +5453,7 @@
               <a:t>tracklet</a:t>
             </a:r>
             <a:r>
-              <a:rPr lang="en-US" altLang="zh-TW" dirty="0" smtClean="0">
+              <a:rPr lang="en-US" altLang="zh-TW" dirty="0">
                 <a:solidFill>
                   <a:srgbClr val="7030A0"/>
                 </a:solidFill>
@@ -5491,11 +5461,11 @@
               <a:t> points </a:t>
             </a:r>
             <a:r>
-              <a:rPr lang="en-US" altLang="zh-TW" dirty="0" smtClean="0"/>
+              <a:rPr lang="en-US" altLang="zh-TW" dirty="0"/>
               <a:t>in CCW space can be describe as </a:t>
             </a:r>
             <a:r>
-              <a:rPr lang="en-US" altLang="zh-TW" dirty="0" smtClean="0">
+              <a:rPr lang="en-US" altLang="zh-TW" dirty="0">
                 <a:solidFill>
                   <a:srgbClr val="7030A0"/>
                 </a:solidFill>
@@ -5503,7 +5473,7 @@
               <a:t>P</a:t>
             </a:r>
             <a:r>
-              <a:rPr lang="en-US" altLang="zh-TW" baseline="-25000" dirty="0" smtClean="0">
+              <a:rPr lang="en-US" altLang="zh-TW" baseline="-25000" dirty="0">
                 <a:solidFill>
                   <a:srgbClr val="7030A0"/>
                 </a:solidFill>
@@ -5511,51 +5481,51 @@
               <a:t>2d_i</a:t>
             </a:r>
             <a:r>
-              <a:rPr lang="en-US" altLang="zh-TW" baseline="-25000" dirty="0" smtClean="0"/>
+              <a:rPr lang="en-US" altLang="zh-TW" baseline="-25000" dirty="0"/>
               <a:t> </a:t>
             </a:r>
             <a:r>
-              <a:rPr lang="en-US" altLang="zh-TW" dirty="0" smtClean="0"/>
+              <a:rPr lang="en-US" altLang="zh-TW" dirty="0"/>
               <a:t>= (x</a:t>
             </a:r>
             <a:r>
-              <a:rPr lang="en-US" altLang="zh-TW" baseline="-25000" dirty="0" smtClean="0"/>
+              <a:rPr lang="en-US" altLang="zh-TW" baseline="-25000" dirty="0"/>
               <a:t>i</a:t>
             </a:r>
             <a:r>
-              <a:rPr lang="en-US" altLang="zh-TW" dirty="0" smtClean="0"/>
+              <a:rPr lang="en-US" altLang="zh-TW" dirty="0"/>
               <a:t>, </a:t>
             </a:r>
             <a:r>
-              <a:rPr lang="en-US" altLang="zh-TW" dirty="0" err="1" smtClean="0"/>
+              <a:rPr lang="en-US" altLang="zh-TW" dirty="0" err="1"/>
               <a:t>y</a:t>
             </a:r>
             <a:r>
-              <a:rPr lang="en-US" altLang="zh-TW" baseline="-25000" dirty="0" err="1" smtClean="0"/>
+              <a:rPr lang="en-US" altLang="zh-TW" baseline="-25000" dirty="0" err="1"/>
               <a:t>i</a:t>
             </a:r>
             <a:r>
-              <a:rPr lang="en-US" altLang="zh-TW" dirty="0" smtClean="0"/>
+              <a:rPr lang="en-US" altLang="zh-TW" dirty="0"/>
               <a:t>, f), where x</a:t>
             </a:r>
             <a:r>
-              <a:rPr lang="en-US" altLang="zh-TW" baseline="-25000" dirty="0" smtClean="0"/>
+              <a:rPr lang="en-US" altLang="zh-TW" baseline="-25000" dirty="0"/>
               <a:t>i</a:t>
             </a:r>
             <a:r>
-              <a:rPr lang="en-US" altLang="zh-TW" dirty="0" smtClean="0"/>
+              <a:rPr lang="en-US" altLang="zh-TW" dirty="0"/>
               <a:t>, </a:t>
             </a:r>
             <a:r>
-              <a:rPr lang="en-US" altLang="zh-TW" dirty="0" err="1" smtClean="0"/>
+              <a:rPr lang="en-US" altLang="zh-TW" dirty="0" err="1"/>
               <a:t>y</a:t>
             </a:r>
             <a:r>
-              <a:rPr lang="en-US" altLang="zh-TW" baseline="-25000" dirty="0" err="1" smtClean="0"/>
+              <a:rPr lang="en-US" altLang="zh-TW" baseline="-25000" dirty="0" err="1"/>
               <a:t>i</a:t>
             </a:r>
             <a:r>
-              <a:rPr lang="en-US" altLang="zh-TW" dirty="0" smtClean="0"/>
+              <a:rPr lang="en-US" altLang="zh-TW" dirty="0"/>
               <a:t> is the 2d coordinate of points in image and f is the focal length of camera</a:t>
             </a:r>
             <a:endParaRPr lang="zh-TW" altLang="en-US" baseline="-25000" dirty="0"/>
@@ -5590,18 +5560,10 @@
                   <a:srgbClr val="FF0000"/>
                 </a:solidFill>
               </a:rPr>
-              <a:t>3</a:t>
-            </a:r>
-            <a:r>
-              <a:rPr lang="en-US" altLang="zh-TW" dirty="0" smtClean="0">
-                <a:solidFill>
-                  <a:srgbClr val="FF0000"/>
-                </a:solidFill>
-              </a:rPr>
-              <a:t>d </a:t>
-            </a:r>
-            <a:r>
-              <a:rPr lang="en-US" altLang="zh-TW" dirty="0" err="1" smtClean="0">
+              <a:t>3d </a:t>
+            </a:r>
+            <a:r>
+              <a:rPr lang="en-US" altLang="zh-TW" dirty="0" err="1">
                 <a:solidFill>
                   <a:srgbClr val="FF0000"/>
                 </a:solidFill>
@@ -5609,7 +5571,7 @@
               <a:t>tracklet</a:t>
             </a:r>
             <a:r>
-              <a:rPr lang="en-US" altLang="zh-TW" dirty="0" smtClean="0">
+              <a:rPr lang="en-US" altLang="zh-TW" dirty="0">
                 <a:solidFill>
                   <a:srgbClr val="FF0000"/>
                 </a:solidFill>
@@ -5617,7 +5579,7 @@
               <a:t> points P</a:t>
             </a:r>
             <a:r>
-              <a:rPr lang="en-US" altLang="zh-TW" baseline="-25000" dirty="0" smtClean="0">
+              <a:rPr lang="en-US" altLang="zh-TW" baseline="-25000" dirty="0">
                 <a:solidFill>
                   <a:srgbClr val="FF0000"/>
                 </a:solidFill>
@@ -5625,7 +5587,7 @@
               <a:t>3d</a:t>
             </a:r>
             <a:r>
-              <a:rPr lang="en-US" altLang="zh-TW" dirty="0" smtClean="0">
+              <a:rPr lang="en-US" altLang="zh-TW" dirty="0">
                 <a:solidFill>
                   <a:srgbClr val="FF0000"/>
                 </a:solidFill>
@@ -5633,7 +5595,7 @@
               <a:t> </a:t>
             </a:r>
             <a:r>
-              <a:rPr lang="en-US" altLang="zh-TW" dirty="0" smtClean="0"/>
+              <a:rPr lang="en-US" altLang="zh-TW" dirty="0"/>
               <a:t>can be obtained by calculating the intersections of the </a:t>
             </a:r>
             <a:r>
@@ -5645,7 +5607,7 @@
               <a:t>optical rays </a:t>
             </a:r>
             <a:r>
-              <a:rPr lang="en-US" altLang="zh-TW" dirty="0" smtClean="0"/>
+              <a:rPr lang="en-US" altLang="zh-TW" dirty="0"/>
               <a:t>and </a:t>
             </a:r>
             <a:r>
@@ -5695,11 +5657,11 @@
           <a:lstStyle/>
           <a:p>
             <a:r>
-              <a:rPr lang="en-US" altLang="zh-TW" dirty="0" smtClean="0"/>
+              <a:rPr lang="en-US" altLang="zh-TW" dirty="0"/>
               <a:t>The</a:t>
             </a:r>
             <a:r>
-              <a:rPr lang="zh-TW" altLang="en-US" dirty="0" smtClean="0"/>
+              <a:rPr lang="zh-TW" altLang="en-US" dirty="0"/>
               <a:t> </a:t>
             </a:r>
             <a:r>
@@ -5711,15 +5673,11 @@
               <a:t>projection point </a:t>
             </a:r>
             <a:r>
-              <a:rPr lang="en-US" altLang="zh-TW" dirty="0" smtClean="0"/>
-              <a:t>of</a:t>
-            </a:r>
-            <a:r>
-              <a:rPr lang="en-US" altLang="zh-TW" dirty="0" smtClean="0"/>
-              <a:t> </a:t>
-            </a:r>
-            <a:r>
-              <a:rPr lang="en-US" altLang="zh-TW" dirty="0" smtClean="0">
+              <a:rPr lang="en-US" altLang="zh-TW" dirty="0"/>
+              <a:t>of </a:t>
+            </a:r>
+            <a:r>
+              <a:rPr lang="en-US" altLang="zh-TW" dirty="0">
                 <a:solidFill>
                   <a:srgbClr val="FF0000"/>
                 </a:solidFill>
@@ -5727,11 +5685,11 @@
               <a:t>hit position</a:t>
             </a:r>
             <a:r>
-              <a:rPr lang="en-US" altLang="zh-TW" dirty="0" smtClean="0"/>
+              <a:rPr lang="en-US" altLang="zh-TW" dirty="0"/>
               <a:t> </a:t>
             </a:r>
             <a:r>
-              <a:rPr lang="en-US" altLang="zh-TW" dirty="0" err="1" smtClean="0">
+              <a:rPr lang="en-US" altLang="zh-TW" dirty="0" err="1">
                 <a:solidFill>
                   <a:srgbClr val="FFC000"/>
                 </a:solidFill>
@@ -5739,7 +5697,7 @@
               <a:t>P</a:t>
             </a:r>
             <a:r>
-              <a:rPr lang="en-US" altLang="zh-TW" baseline="-25000" dirty="0" err="1" smtClean="0">
+              <a:rPr lang="en-US" altLang="zh-TW" baseline="-25000" dirty="0" err="1">
                 <a:solidFill>
                   <a:srgbClr val="FFC000"/>
                 </a:solidFill>
@@ -5747,16 +5705,12 @@
               <a:t>proj</a:t>
             </a:r>
             <a:r>
-              <a:rPr lang="en-US" altLang="zh-TW" baseline="-25000" dirty="0" smtClean="0"/>
+              <a:rPr lang="en-US" altLang="zh-TW" baseline="-25000" dirty="0"/>
               <a:t> </a:t>
             </a:r>
             <a:r>
-              <a:rPr lang="en-US" altLang="zh-TW" dirty="0" smtClean="0"/>
-              <a:t>from 3d space to the ground can be described as (x, y, 0) in WCS space. And the</a:t>
-            </a:r>
-            <a:r>
-              <a:rPr lang="en-US" altLang="zh-TW" dirty="0" smtClean="0"/>
-              <a:t> </a:t>
+              <a:rPr lang="en-US" altLang="zh-TW" dirty="0"/>
+              <a:t>from 3d space to the ground can be described as (x, y, 0) in WCS space. And the </a:t>
             </a:r>
             <a:r>
               <a:rPr lang="en-US" altLang="zh-TW" dirty="0">
@@ -5767,15 +5721,11 @@
               <a:t>projection line</a:t>
             </a:r>
             <a:r>
-              <a:rPr lang="en-US" altLang="zh-TW" dirty="0" smtClean="0"/>
-              <a:t> of</a:t>
-            </a:r>
-            <a:r>
-              <a:rPr lang="en-US" altLang="zh-TW" dirty="0" smtClean="0"/>
-              <a:t> </a:t>
-            </a:r>
-            <a:r>
-              <a:rPr lang="en-US" altLang="zh-TW" dirty="0" smtClean="0">
+              <a:rPr lang="en-US" altLang="zh-TW" dirty="0"/>
+              <a:t> of </a:t>
+            </a:r>
+            <a:r>
+              <a:rPr lang="en-US" altLang="zh-TW" dirty="0">
                 <a:solidFill>
                   <a:srgbClr val="FF0000"/>
                 </a:solidFill>
@@ -5783,7 +5733,7 @@
               <a:t>3d </a:t>
             </a:r>
             <a:r>
-              <a:rPr lang="en-US" altLang="zh-TW" dirty="0" err="1" smtClean="0">
+              <a:rPr lang="en-US" altLang="zh-TW" dirty="0" err="1">
                 <a:solidFill>
                   <a:srgbClr val="FF0000"/>
                 </a:solidFill>
@@ -5791,7 +5741,7 @@
               <a:t>tracklet</a:t>
             </a:r>
             <a:r>
-              <a:rPr lang="en-US" altLang="zh-TW" dirty="0" smtClean="0">
+              <a:rPr lang="en-US" altLang="zh-TW" dirty="0">
                 <a:solidFill>
                   <a:srgbClr val="FF0000"/>
                 </a:solidFill>
@@ -5799,11 +5749,11 @@
               <a:t> </a:t>
             </a:r>
             <a:r>
-              <a:rPr lang="en-US" altLang="zh-TW" dirty="0" smtClean="0"/>
+              <a:rPr lang="en-US" altLang="zh-TW" dirty="0"/>
               <a:t>from 3d space to the ground can be described as </a:t>
             </a:r>
             <a:r>
-              <a:rPr lang="en-US" altLang="zh-TW" dirty="0" err="1" smtClean="0">
+              <a:rPr lang="en-US" altLang="zh-TW" dirty="0" err="1">
                 <a:solidFill>
                   <a:srgbClr val="FFC000"/>
                 </a:solidFill>
@@ -5811,7 +5761,7 @@
               <a:t>V</a:t>
             </a:r>
             <a:r>
-              <a:rPr lang="en-US" altLang="zh-TW" baseline="-25000" dirty="0" err="1" smtClean="0">
+              <a:rPr lang="en-US" altLang="zh-TW" baseline="-25000" dirty="0" err="1">
                 <a:solidFill>
                   <a:srgbClr val="FFC000"/>
                 </a:solidFill>
@@ -5819,7 +5769,7 @@
               <a:t>proj</a:t>
             </a:r>
             <a:r>
-              <a:rPr lang="en-US" altLang="zh-TW" dirty="0" smtClean="0">
+              <a:rPr lang="en-US" altLang="zh-TW" dirty="0">
                 <a:solidFill>
                   <a:srgbClr val="FFC000"/>
                 </a:solidFill>
@@ -5827,7 +5777,7 @@
               <a:t> = </a:t>
             </a:r>
             <a:r>
-              <a:rPr lang="en-US" altLang="zh-TW" dirty="0" err="1" smtClean="0">
+              <a:rPr lang="en-US" altLang="zh-TW" dirty="0" err="1">
                 <a:solidFill>
                   <a:srgbClr val="FFC000"/>
                 </a:solidFill>
@@ -5835,7 +5785,7 @@
               <a:t>P</a:t>
             </a:r>
             <a:r>
-              <a:rPr lang="en-US" altLang="zh-TW" baseline="-25000" dirty="0" err="1" smtClean="0">
+              <a:rPr lang="en-US" altLang="zh-TW" baseline="-25000" dirty="0" err="1">
                 <a:solidFill>
                   <a:srgbClr val="FFC000"/>
                 </a:solidFill>
@@ -5843,7 +5793,7 @@
               <a:t>proj_i</a:t>
             </a:r>
             <a:r>
-              <a:rPr lang="en-US" altLang="zh-TW" baseline="-25000" dirty="0" smtClean="0">
+              <a:rPr lang="en-US" altLang="zh-TW" baseline="-25000" dirty="0">
                 <a:solidFill>
                   <a:srgbClr val="FFC000"/>
                 </a:solidFill>
@@ -5851,7 +5801,7 @@
               <a:t> </a:t>
             </a:r>
             <a:r>
-              <a:rPr lang="en-US" altLang="zh-TW" dirty="0" smtClean="0">
+              <a:rPr lang="en-US" altLang="zh-TW" dirty="0">
                 <a:solidFill>
                   <a:srgbClr val="FFC000"/>
                 </a:solidFill>
@@ -5859,7 +5809,7 @@
               <a:t>- </a:t>
             </a:r>
             <a:r>
-              <a:rPr lang="en-US" altLang="zh-TW" dirty="0" err="1" smtClean="0">
+              <a:rPr lang="en-US" altLang="zh-TW" dirty="0" err="1">
                 <a:solidFill>
                   <a:srgbClr val="FFC000"/>
                 </a:solidFill>
@@ -5867,7 +5817,7 @@
               <a:t>P</a:t>
             </a:r>
             <a:r>
-              <a:rPr lang="en-US" altLang="zh-TW" baseline="-25000" dirty="0" err="1" smtClean="0">
+              <a:rPr lang="en-US" altLang="zh-TW" baseline="-25000" dirty="0" err="1">
                 <a:solidFill>
                   <a:srgbClr val="FFC000"/>
                 </a:solidFill>
@@ -5875,7 +5825,7 @@
               <a:t>proj_j</a:t>
             </a:r>
             <a:r>
-              <a:rPr lang="en-US" altLang="zh-TW" dirty="0" smtClean="0">
+              <a:rPr lang="en-US" altLang="zh-TW" dirty="0">
                 <a:solidFill>
                   <a:srgbClr val="FFC000"/>
                 </a:solidFill>
@@ -5912,7 +5862,7 @@
           <a:lstStyle/>
           <a:p>
             <a:r>
-              <a:rPr lang="en-US" altLang="zh-TW" dirty="0" err="1" smtClean="0">
+              <a:rPr lang="en-US" altLang="zh-TW" dirty="0" err="1">
                 <a:solidFill>
                   <a:srgbClr val="FFC000"/>
                 </a:solidFill>
@@ -5920,7 +5870,7 @@
               <a:t>P</a:t>
             </a:r>
             <a:r>
-              <a:rPr lang="en-US" altLang="zh-TW" baseline="-25000" dirty="0" err="1" smtClean="0">
+              <a:rPr lang="en-US" altLang="zh-TW" baseline="-25000" dirty="0" err="1">
                 <a:solidFill>
                   <a:srgbClr val="FFC000"/>
                 </a:solidFill>
@@ -5953,7 +5903,7 @@
           <a:lstStyle/>
           <a:p>
             <a:r>
-              <a:rPr lang="en-US" altLang="zh-TW" dirty="0" err="1" smtClean="0">
+              <a:rPr lang="en-US" altLang="zh-TW" dirty="0" err="1">
                 <a:solidFill>
                   <a:srgbClr val="FFC000"/>
                 </a:solidFill>
@@ -5961,7 +5911,7 @@
               <a:t>P</a:t>
             </a:r>
             <a:r>
-              <a:rPr lang="en-US" altLang="zh-TW" baseline="-25000" dirty="0" err="1" smtClean="0">
+              <a:rPr lang="en-US" altLang="zh-TW" baseline="-25000" dirty="0" err="1">
                 <a:solidFill>
                   <a:srgbClr val="FFC000"/>
                 </a:solidFill>
@@ -5994,7 +5944,7 @@
           <a:lstStyle/>
           <a:p>
             <a:r>
-              <a:rPr lang="en-US" altLang="zh-TW" dirty="0" err="1" smtClean="0">
+              <a:rPr lang="en-US" altLang="zh-TW" dirty="0" err="1">
                 <a:solidFill>
                   <a:srgbClr val="FFC000"/>
                 </a:solidFill>
@@ -6002,7 +5952,7 @@
               <a:t>V</a:t>
             </a:r>
             <a:r>
-              <a:rPr lang="en-US" altLang="zh-TW" baseline="-25000" dirty="0" err="1" smtClean="0">
+              <a:rPr lang="en-US" altLang="zh-TW" baseline="-25000" dirty="0" err="1">
                 <a:solidFill>
                   <a:srgbClr val="FFC000"/>
                 </a:solidFill>
@@ -6075,7 +6025,7 @@
           <a:lstStyle/>
           <a:p>
             <a:r>
-              <a:rPr lang="en-US" altLang="zh-TW" dirty="0" err="1" smtClean="0">
+              <a:rPr lang="en-US" altLang="zh-TW" dirty="0" err="1">
                 <a:solidFill>
                   <a:srgbClr val="92D050"/>
                 </a:solidFill>
@@ -6083,7 +6033,7 @@
               <a:t>N</a:t>
             </a:r>
             <a:r>
-              <a:rPr lang="en-US" altLang="zh-TW" baseline="-25000" dirty="0" err="1" smtClean="0">
+              <a:rPr lang="en-US" altLang="zh-TW" baseline="-25000" dirty="0" err="1">
                 <a:solidFill>
                   <a:srgbClr val="92D050"/>
                 </a:solidFill>
@@ -6121,11 +6071,11 @@
           <a:lstStyle/>
           <a:p>
             <a:r>
-              <a:rPr lang="en-US" altLang="zh-TW" dirty="0" smtClean="0"/>
+              <a:rPr lang="en-US" altLang="zh-TW" dirty="0"/>
               <a:t>The normal vector </a:t>
             </a:r>
             <a:r>
-              <a:rPr lang="en-US" altLang="zh-TW" dirty="0" err="1" smtClean="0">
+              <a:rPr lang="en-US" altLang="zh-TW" dirty="0" err="1">
                 <a:solidFill>
                   <a:srgbClr val="92D050"/>
                 </a:solidFill>
@@ -6133,7 +6083,7 @@
               <a:t>N</a:t>
             </a:r>
             <a:r>
-              <a:rPr lang="en-US" altLang="zh-TW" baseline="-25000" dirty="0" err="1" smtClean="0">
+              <a:rPr lang="en-US" altLang="zh-TW" baseline="-25000" dirty="0" err="1">
                 <a:solidFill>
                   <a:srgbClr val="92D050"/>
                 </a:solidFill>
@@ -6141,27 +6091,19 @@
               <a:t>tracklet</a:t>
             </a:r>
             <a:r>
-              <a:rPr lang="en-US" altLang="zh-TW" dirty="0" smtClean="0"/>
+              <a:rPr lang="en-US" altLang="zh-TW" dirty="0"/>
               <a:t> of </a:t>
             </a:r>
             <a:r>
-              <a:rPr lang="en-US" altLang="zh-TW" dirty="0" err="1" smtClean="0">
+              <a:rPr lang="en-US" altLang="zh-TW" dirty="0" err="1">
                 <a:solidFill>
                   <a:srgbClr val="68A2D7"/>
                 </a:solidFill>
               </a:rPr>
-              <a:t>tr</a:t>
-            </a:r>
-            <a:r>
-              <a:rPr lang="en-US" altLang="zh-TW" dirty="0" err="1" smtClean="0">
-                <a:solidFill>
-                  <a:srgbClr val="68A2D7"/>
-                </a:solidFill>
-              </a:rPr>
-              <a:t>acklet</a:t>
-            </a:r>
-            <a:r>
-              <a:rPr lang="en-US" altLang="zh-TW" dirty="0" smtClean="0">
+              <a:t>tracklet</a:t>
+            </a:r>
+            <a:r>
+              <a:rPr lang="en-US" altLang="zh-TW" dirty="0">
                 <a:solidFill>
                   <a:srgbClr val="68A2D7"/>
                 </a:solidFill>
@@ -6169,7 +6111,7 @@
               <a:t> plane</a:t>
             </a:r>
             <a:r>
-              <a:rPr lang="zh-TW" altLang="en-US" dirty="0" smtClean="0">
+              <a:rPr lang="zh-TW" altLang="en-US" dirty="0">
                 <a:solidFill>
                   <a:srgbClr val="FFC000"/>
                 </a:solidFill>
@@ -6177,11 +6119,11 @@
               <a:t> </a:t>
             </a:r>
             <a:r>
-              <a:rPr lang="en-US" altLang="zh-TW" dirty="0" smtClean="0"/>
+              <a:rPr lang="en-US" altLang="zh-TW" dirty="0"/>
               <a:t>is orthogonal to </a:t>
             </a:r>
             <a:r>
-              <a:rPr lang="en-US" altLang="zh-TW" dirty="0" err="1" smtClean="0">
+              <a:rPr lang="en-US" altLang="zh-TW" dirty="0" err="1">
                 <a:solidFill>
                   <a:srgbClr val="FFC000"/>
                 </a:solidFill>
@@ -6189,7 +6131,7 @@
               <a:t>V</a:t>
             </a:r>
             <a:r>
-              <a:rPr lang="en-US" altLang="zh-TW" baseline="-25000" dirty="0" err="1" smtClean="0">
+              <a:rPr lang="en-US" altLang="zh-TW" baseline="-25000" dirty="0" err="1">
                 <a:solidFill>
                   <a:srgbClr val="FFC000"/>
                 </a:solidFill>
@@ -6197,7 +6139,7 @@
               <a:t>proj</a:t>
             </a:r>
             <a:r>
-              <a:rPr lang="en-US" altLang="zh-TW" baseline="-25000" dirty="0" smtClean="0">
+              <a:rPr lang="en-US" altLang="zh-TW" baseline="-25000" dirty="0">
                 <a:solidFill>
                   <a:srgbClr val="FFC000"/>
                 </a:solidFill>
@@ -6234,7 +6176,7 @@
           <a:lstStyle/>
           <a:p>
             <a:r>
-              <a:rPr lang="en-US" altLang="zh-TW" dirty="0" smtClean="0">
+              <a:rPr lang="en-US" altLang="zh-TW" dirty="0">
                 <a:solidFill>
                   <a:srgbClr val="FF0000"/>
                 </a:solidFill>
@@ -6242,7 +6184,7 @@
               <a:t>P</a:t>
             </a:r>
             <a:r>
-              <a:rPr lang="en-US" altLang="zh-TW" baseline="-25000" dirty="0" smtClean="0">
+              <a:rPr lang="en-US" altLang="zh-TW" baseline="-25000" dirty="0">
                 <a:solidFill>
                   <a:srgbClr val="FF0000"/>
                 </a:solidFill>
@@ -6250,7 +6192,7 @@
               <a:t>3d</a:t>
             </a:r>
             <a:r>
-              <a:rPr lang="en-US" altLang="zh-TW" dirty="0" smtClean="0">
+              <a:rPr lang="en-US" altLang="zh-TW" dirty="0">
                 <a:solidFill>
                   <a:srgbClr val="FF0000"/>
                 </a:solidFill>
@@ -6283,7 +6225,7 @@
           <a:lstStyle/>
           <a:p>
             <a:r>
-              <a:rPr lang="en-US" altLang="zh-TW" dirty="0" smtClean="0">
+              <a:rPr lang="en-US" altLang="zh-TW" dirty="0">
                 <a:solidFill>
                   <a:srgbClr val="FF0000"/>
                 </a:solidFill>
@@ -6291,7 +6233,7 @@
               <a:t>P</a:t>
             </a:r>
             <a:r>
-              <a:rPr lang="en-US" altLang="zh-TW" baseline="-25000" dirty="0" smtClean="0">
+              <a:rPr lang="en-US" altLang="zh-TW" baseline="-25000" dirty="0">
                 <a:solidFill>
                   <a:srgbClr val="FF0000"/>
                 </a:solidFill>
@@ -6299,7 +6241,7 @@
               <a:t>3d</a:t>
             </a:r>
             <a:r>
-              <a:rPr lang="en-US" altLang="zh-TW" dirty="0" smtClean="0">
+              <a:rPr lang="en-US" altLang="zh-TW" dirty="0">
                 <a:solidFill>
                   <a:srgbClr val="FF0000"/>
                 </a:solidFill>
@@ -6332,7 +6274,7 @@
           <a:lstStyle/>
           <a:p>
             <a:r>
-              <a:rPr lang="en-US" altLang="zh-TW" dirty="0" smtClean="0">
+              <a:rPr lang="en-US" altLang="zh-TW" dirty="0">
                 <a:solidFill>
                   <a:srgbClr val="FF0000"/>
                 </a:solidFill>
@@ -6340,7 +6282,7 @@
               <a:t>P</a:t>
             </a:r>
             <a:r>
-              <a:rPr lang="en-US" altLang="zh-TW" baseline="-25000" dirty="0" smtClean="0">
+              <a:rPr lang="en-US" altLang="zh-TW" baseline="-25000" dirty="0">
                 <a:solidFill>
                   <a:srgbClr val="FF0000"/>
                 </a:solidFill>
@@ -6348,7 +6290,7 @@
               <a:t>3d</a:t>
             </a:r>
             <a:r>
-              <a:rPr lang="en-US" altLang="zh-TW" dirty="0" smtClean="0">
+              <a:rPr lang="en-US" altLang="zh-TW" dirty="0">
                 <a:solidFill>
                   <a:srgbClr val="FF0000"/>
                 </a:solidFill>
@@ -6804,7 +6746,7 @@
           <a:lstStyle/>
           <a:p>
             <a:r>
-              <a:rPr lang="en-US" altLang="zh-TW" dirty="0" smtClean="0">
+              <a:rPr lang="en-US" altLang="zh-TW" dirty="0">
                 <a:solidFill>
                   <a:srgbClr val="7030A0"/>
                 </a:solidFill>
@@ -6812,7 +6754,7 @@
               <a:t>P</a:t>
             </a:r>
             <a:r>
-              <a:rPr lang="en-US" altLang="zh-TW" baseline="-25000" dirty="0" smtClean="0">
+              <a:rPr lang="en-US" altLang="zh-TW" baseline="-25000" dirty="0">
                 <a:solidFill>
                   <a:srgbClr val="7030A0"/>
                 </a:solidFill>
@@ -6974,14 +6916,3388 @@
   <p:clrMapOvr>
     <a:masterClrMapping/>
   </p:clrMapOvr>
-  <p:timing>
-    <p:tnLst>
-      <p:par>
-        <p:cTn id="1" dur="indefinite" restart="never" nodeType="tmRoot"/>
-      </p:par>
-    </p:tnLst>
-  </p:timing>
 </p:sld>
+</file>
+
+<file path=ppt/slides/slide2.xml><?xml version="1.0" encoding="utf-8"?>
+<p:sld xmlns:a="http://schemas.openxmlformats.org/drawingml/2006/main" xmlns:r="http://schemas.openxmlformats.org/officeDocument/2006/relationships" xmlns:p="http://schemas.openxmlformats.org/presentationml/2006/main">
+  <p:cSld>
+    <p:spTree>
+      <p:nvGrpSpPr>
+        <p:cNvPr id="1" name=""/>
+        <p:cNvGrpSpPr/>
+        <p:nvPr/>
+      </p:nvGrpSpPr>
+      <p:grpSpPr>
+        <a:xfrm>
+          <a:off x="0" y="0"/>
+          <a:ext cx="0" cy="0"/>
+          <a:chOff x="0" y="0"/>
+          <a:chExt cx="0" cy="0"/>
+        </a:xfrm>
+      </p:grpSpPr>
+      <p:cxnSp>
+        <p:nvCxnSpPr>
+          <p:cNvPr id="6" name="直線接點 5"/>
+          <p:cNvCxnSpPr/>
+          <p:nvPr/>
+        </p:nvCxnSpPr>
+        <p:spPr>
+          <a:xfrm>
+            <a:off x="2779271" y="4014880"/>
+            <a:ext cx="3923030" cy="992865"/>
+          </a:xfrm>
+          <a:prstGeom prst="line">
+            <a:avLst/>
+          </a:prstGeom>
+          <a:ln>
+            <a:solidFill>
+              <a:schemeClr val="bg1">
+                <a:lumMod val="50000"/>
+              </a:schemeClr>
+            </a:solidFill>
+          </a:ln>
+        </p:spPr>
+        <p:style>
+          <a:lnRef idx="1">
+            <a:schemeClr val="accent1"/>
+          </a:lnRef>
+          <a:fillRef idx="0">
+            <a:schemeClr val="accent1"/>
+          </a:fillRef>
+          <a:effectRef idx="0">
+            <a:schemeClr val="accent1"/>
+          </a:effectRef>
+          <a:fontRef idx="minor">
+            <a:schemeClr val="tx1"/>
+          </a:fontRef>
+        </p:style>
+      </p:cxnSp>
+      <p:cxnSp>
+        <p:nvCxnSpPr>
+          <p:cNvPr id="8" name="直線接點 7"/>
+          <p:cNvCxnSpPr/>
+          <p:nvPr/>
+        </p:nvCxnSpPr>
+        <p:spPr>
+          <a:xfrm>
+            <a:off x="1013125" y="4268065"/>
+            <a:ext cx="3436576" cy="1887941"/>
+          </a:xfrm>
+          <a:prstGeom prst="line">
+            <a:avLst/>
+          </a:prstGeom>
+          <a:ln>
+            <a:solidFill>
+              <a:schemeClr val="bg1">
+                <a:lumMod val="50000"/>
+              </a:schemeClr>
+            </a:solidFill>
+          </a:ln>
+        </p:spPr>
+        <p:style>
+          <a:lnRef idx="1">
+            <a:schemeClr val="accent1"/>
+          </a:lnRef>
+          <a:fillRef idx="0">
+            <a:schemeClr val="accent1"/>
+          </a:fillRef>
+          <a:effectRef idx="0">
+            <a:schemeClr val="accent1"/>
+          </a:effectRef>
+          <a:fontRef idx="minor">
+            <a:schemeClr val="tx1"/>
+          </a:fontRef>
+        </p:style>
+      </p:cxnSp>
+      <p:cxnSp>
+        <p:nvCxnSpPr>
+          <p:cNvPr id="10" name="直線接點 9"/>
+          <p:cNvCxnSpPr/>
+          <p:nvPr/>
+        </p:nvCxnSpPr>
+        <p:spPr>
+          <a:xfrm flipH="1">
+            <a:off x="986142" y="4030039"/>
+            <a:ext cx="1793129" cy="222867"/>
+          </a:xfrm>
+          <a:prstGeom prst="line">
+            <a:avLst/>
+          </a:prstGeom>
+          <a:ln>
+            <a:solidFill>
+              <a:schemeClr val="bg1">
+                <a:lumMod val="50000"/>
+              </a:schemeClr>
+            </a:solidFill>
+          </a:ln>
+        </p:spPr>
+        <p:style>
+          <a:lnRef idx="1">
+            <a:schemeClr val="accent1"/>
+          </a:lnRef>
+          <a:fillRef idx="0">
+            <a:schemeClr val="accent1"/>
+          </a:fillRef>
+          <a:effectRef idx="0">
+            <a:schemeClr val="accent1"/>
+          </a:effectRef>
+          <a:fontRef idx="minor">
+            <a:schemeClr val="tx1"/>
+          </a:fontRef>
+        </p:style>
+      </p:cxnSp>
+      <p:cxnSp>
+        <p:nvCxnSpPr>
+          <p:cNvPr id="12" name="直線接點 11"/>
+          <p:cNvCxnSpPr/>
+          <p:nvPr/>
+        </p:nvCxnSpPr>
+        <p:spPr>
+          <a:xfrm flipH="1">
+            <a:off x="4384455" y="5018037"/>
+            <a:ext cx="2341747" cy="1105207"/>
+          </a:xfrm>
+          <a:prstGeom prst="line">
+            <a:avLst/>
+          </a:prstGeom>
+          <a:ln>
+            <a:solidFill>
+              <a:schemeClr val="bg1">
+                <a:lumMod val="50000"/>
+              </a:schemeClr>
+            </a:solidFill>
+          </a:ln>
+        </p:spPr>
+        <p:style>
+          <a:lnRef idx="1">
+            <a:schemeClr val="accent1"/>
+          </a:lnRef>
+          <a:fillRef idx="0">
+            <a:schemeClr val="accent1"/>
+          </a:fillRef>
+          <a:effectRef idx="0">
+            <a:schemeClr val="accent1"/>
+          </a:effectRef>
+          <a:fontRef idx="minor">
+            <a:schemeClr val="tx1"/>
+          </a:fontRef>
+        </p:style>
+      </p:cxnSp>
+      <p:cxnSp>
+        <p:nvCxnSpPr>
+          <p:cNvPr id="14" name="直線接點 13"/>
+          <p:cNvCxnSpPr/>
+          <p:nvPr/>
+        </p:nvCxnSpPr>
+        <p:spPr>
+          <a:xfrm flipH="1">
+            <a:off x="2370441" y="4472288"/>
+            <a:ext cx="2250603" cy="524669"/>
+          </a:xfrm>
+          <a:prstGeom prst="line">
+            <a:avLst/>
+          </a:prstGeom>
+          <a:ln>
+            <a:solidFill>
+              <a:schemeClr val="bg1">
+                <a:lumMod val="50000"/>
+              </a:schemeClr>
+            </a:solidFill>
+          </a:ln>
+        </p:spPr>
+        <p:style>
+          <a:lnRef idx="1">
+            <a:schemeClr val="accent1"/>
+          </a:lnRef>
+          <a:fillRef idx="0">
+            <a:schemeClr val="accent1"/>
+          </a:fillRef>
+          <a:effectRef idx="0">
+            <a:schemeClr val="accent1"/>
+          </a:effectRef>
+          <a:fontRef idx="minor">
+            <a:schemeClr val="tx1"/>
+          </a:fontRef>
+        </p:style>
+      </p:cxnSp>
+      <p:sp>
+        <p:nvSpPr>
+          <p:cNvPr id="34" name="手繪多邊形 33"/>
+          <p:cNvSpPr/>
+          <p:nvPr/>
+        </p:nvSpPr>
+        <p:spPr>
+          <a:xfrm>
+            <a:off x="2418354" y="2391138"/>
+            <a:ext cx="3001819" cy="2057554"/>
+          </a:xfrm>
+          <a:custGeom>
+            <a:avLst/>
+            <a:gdLst>
+              <a:gd name="connsiteX0" fmla="*/ 0 w 3648364"/>
+              <a:gd name="connsiteY0" fmla="*/ 1512609 h 2057554"/>
+              <a:gd name="connsiteX1" fmla="*/ 2687782 w 3648364"/>
+              <a:gd name="connsiteY1" fmla="*/ 7082 h 2057554"/>
+              <a:gd name="connsiteX2" fmla="*/ 3648364 w 3648364"/>
+              <a:gd name="connsiteY2" fmla="*/ 2057554 h 2057554"/>
+            </a:gdLst>
+            <a:ahLst/>
+            <a:cxnLst>
+              <a:cxn ang="0">
+                <a:pos x="connsiteX0" y="connsiteY0"/>
+              </a:cxn>
+              <a:cxn ang="0">
+                <a:pos x="connsiteX1" y="connsiteY1"/>
+              </a:cxn>
+              <a:cxn ang="0">
+                <a:pos x="connsiteX2" y="connsiteY2"/>
+              </a:cxn>
+            </a:cxnLst>
+            <a:rect l="l" t="t" r="r" b="b"/>
+            <a:pathLst>
+              <a:path w="3648364" h="2057554">
+                <a:moveTo>
+                  <a:pt x="0" y="1512609"/>
+                </a:moveTo>
+                <a:cubicBezTo>
+                  <a:pt x="1039860" y="714433"/>
+                  <a:pt x="2079721" y="-83742"/>
+                  <a:pt x="2687782" y="7082"/>
+                </a:cubicBezTo>
+                <a:cubicBezTo>
+                  <a:pt x="3295843" y="97906"/>
+                  <a:pt x="3472103" y="1077730"/>
+                  <a:pt x="3648364" y="2057554"/>
+                </a:cubicBezTo>
+              </a:path>
+            </a:pathLst>
+          </a:custGeom>
+          <a:noFill/>
+          <a:ln>
+            <a:solidFill>
+              <a:srgbClr val="000000"/>
+            </a:solidFill>
+            <a:prstDash val="solid"/>
+            <a:headEnd type="none" w="med" len="med"/>
+            <a:tailEnd type="triangle" w="med" len="med"/>
+          </a:ln>
+        </p:spPr>
+        <p:style>
+          <a:lnRef idx="2">
+            <a:schemeClr val="accent1">
+              <a:shade val="50000"/>
+            </a:schemeClr>
+          </a:lnRef>
+          <a:fillRef idx="1">
+            <a:schemeClr val="accent1"/>
+          </a:fillRef>
+          <a:effectRef idx="0">
+            <a:schemeClr val="accent1"/>
+          </a:effectRef>
+          <a:fontRef idx="minor">
+            <a:schemeClr val="lt1"/>
+          </a:fontRef>
+        </p:style>
+        <p:txBody>
+          <a:bodyPr rtlCol="0" anchor="ctr"/>
+          <a:lstStyle/>
+          <a:p>
+            <a:pPr algn="ctr"/>
+            <a:endParaRPr lang="zh-TW" altLang="en-US"/>
+          </a:p>
+        </p:txBody>
+      </p:sp>
+      <p:pic>
+        <p:nvPicPr>
+          <p:cNvPr id="35" name="圖片 34"/>
+          <p:cNvPicPr>
+            <a:picLocks noChangeAspect="1"/>
+          </p:cNvPicPr>
+          <p:nvPr/>
+        </p:nvPicPr>
+        <p:blipFill rotWithShape="1">
+          <a:blip r:embed="rId3">
+            <a:clrChange>
+              <a:clrFrom>
+                <a:srgbClr val="FFFFFF"/>
+              </a:clrFrom>
+              <a:clrTo>
+                <a:srgbClr val="FFFFFF">
+                  <a:alpha val="0"/>
+                </a:srgbClr>
+              </a:clrTo>
+            </a:clrChange>
+          </a:blip>
+          <a:srcRect l="5411" b="2631"/>
+          <a:stretch/>
+        </p:blipFill>
+        <p:spPr>
+          <a:xfrm rot="21337387">
+            <a:off x="2131533" y="3764206"/>
+            <a:ext cx="393933" cy="870218"/>
+          </a:xfrm>
+          <a:prstGeom prst="rect">
+            <a:avLst/>
+          </a:prstGeom>
+        </p:spPr>
+      </p:pic>
+      <p:sp>
+        <p:nvSpPr>
+          <p:cNvPr id="60" name="橢圓 59"/>
+          <p:cNvSpPr/>
+          <p:nvPr/>
+        </p:nvSpPr>
+        <p:spPr>
+          <a:xfrm>
+            <a:off x="2462516" y="3821246"/>
+            <a:ext cx="45719" cy="45719"/>
+          </a:xfrm>
+          <a:prstGeom prst="ellipse">
+            <a:avLst/>
+          </a:prstGeom>
+          <a:solidFill>
+            <a:srgbClr val="FF0000"/>
+          </a:solidFill>
+          <a:ln>
+            <a:noFill/>
+            <a:prstDash val="lgDash"/>
+          </a:ln>
+        </p:spPr>
+        <p:style>
+          <a:lnRef idx="2">
+            <a:schemeClr val="accent1">
+              <a:shade val="50000"/>
+            </a:schemeClr>
+          </a:lnRef>
+          <a:fillRef idx="1">
+            <a:schemeClr val="accent1"/>
+          </a:fillRef>
+          <a:effectRef idx="0">
+            <a:schemeClr val="accent1"/>
+          </a:effectRef>
+          <a:fontRef idx="minor">
+            <a:schemeClr val="lt1"/>
+          </a:fontRef>
+        </p:style>
+        <p:txBody>
+          <a:bodyPr rtlCol="0" anchor="ctr"/>
+          <a:lstStyle/>
+          <a:p>
+            <a:pPr algn="ctr"/>
+            <a:endParaRPr lang="zh-TW" altLang="en-US"/>
+          </a:p>
+        </p:txBody>
+      </p:sp>
+      <p:sp>
+        <p:nvSpPr>
+          <p:cNvPr id="62" name="橢圓 61"/>
+          <p:cNvSpPr/>
+          <p:nvPr/>
+        </p:nvSpPr>
+        <p:spPr>
+          <a:xfrm>
+            <a:off x="2846691" y="3458730"/>
+            <a:ext cx="45719" cy="45719"/>
+          </a:xfrm>
+          <a:prstGeom prst="ellipse">
+            <a:avLst/>
+          </a:prstGeom>
+          <a:solidFill>
+            <a:srgbClr val="FF0000"/>
+          </a:solidFill>
+          <a:ln>
+            <a:noFill/>
+            <a:prstDash val="lgDash"/>
+          </a:ln>
+        </p:spPr>
+        <p:style>
+          <a:lnRef idx="2">
+            <a:schemeClr val="accent1">
+              <a:shade val="50000"/>
+            </a:schemeClr>
+          </a:lnRef>
+          <a:fillRef idx="1">
+            <a:schemeClr val="accent1"/>
+          </a:fillRef>
+          <a:effectRef idx="0">
+            <a:schemeClr val="accent1"/>
+          </a:effectRef>
+          <a:fontRef idx="minor">
+            <a:schemeClr val="lt1"/>
+          </a:fontRef>
+        </p:style>
+        <p:txBody>
+          <a:bodyPr rtlCol="0" anchor="ctr"/>
+          <a:lstStyle/>
+          <a:p>
+            <a:pPr algn="ctr"/>
+            <a:endParaRPr lang="zh-TW" altLang="en-US"/>
+          </a:p>
+        </p:txBody>
+      </p:sp>
+      <p:sp>
+        <p:nvSpPr>
+          <p:cNvPr id="63" name="橢圓 62"/>
+          <p:cNvSpPr/>
+          <p:nvPr/>
+        </p:nvSpPr>
+        <p:spPr>
+          <a:xfrm>
+            <a:off x="3275316" y="3083168"/>
+            <a:ext cx="45719" cy="45719"/>
+          </a:xfrm>
+          <a:prstGeom prst="ellipse">
+            <a:avLst/>
+          </a:prstGeom>
+          <a:solidFill>
+            <a:srgbClr val="FF0000"/>
+          </a:solidFill>
+          <a:ln>
+            <a:noFill/>
+            <a:prstDash val="lgDash"/>
+          </a:ln>
+        </p:spPr>
+        <p:style>
+          <a:lnRef idx="2">
+            <a:schemeClr val="accent1">
+              <a:shade val="50000"/>
+            </a:schemeClr>
+          </a:lnRef>
+          <a:fillRef idx="1">
+            <a:schemeClr val="accent1"/>
+          </a:fillRef>
+          <a:effectRef idx="0">
+            <a:schemeClr val="accent1"/>
+          </a:effectRef>
+          <a:fontRef idx="minor">
+            <a:schemeClr val="lt1"/>
+          </a:fontRef>
+        </p:style>
+        <p:txBody>
+          <a:bodyPr rtlCol="0" anchor="ctr"/>
+          <a:lstStyle/>
+          <a:p>
+            <a:pPr algn="ctr"/>
+            <a:endParaRPr lang="zh-TW" altLang="en-US"/>
+          </a:p>
+        </p:txBody>
+      </p:sp>
+      <p:sp>
+        <p:nvSpPr>
+          <p:cNvPr id="65" name="橢圓 64"/>
+          <p:cNvSpPr/>
+          <p:nvPr/>
+        </p:nvSpPr>
+        <p:spPr>
+          <a:xfrm>
+            <a:off x="3686479" y="2754028"/>
+            <a:ext cx="45719" cy="45719"/>
+          </a:xfrm>
+          <a:prstGeom prst="ellipse">
+            <a:avLst/>
+          </a:prstGeom>
+          <a:solidFill>
+            <a:srgbClr val="FF0000"/>
+          </a:solidFill>
+          <a:ln>
+            <a:noFill/>
+            <a:prstDash val="lgDash"/>
+          </a:ln>
+        </p:spPr>
+        <p:style>
+          <a:lnRef idx="2">
+            <a:schemeClr val="accent1">
+              <a:shade val="50000"/>
+            </a:schemeClr>
+          </a:lnRef>
+          <a:fillRef idx="1">
+            <a:schemeClr val="accent1"/>
+          </a:fillRef>
+          <a:effectRef idx="0">
+            <a:schemeClr val="accent1"/>
+          </a:effectRef>
+          <a:fontRef idx="minor">
+            <a:schemeClr val="lt1"/>
+          </a:fontRef>
+        </p:style>
+        <p:txBody>
+          <a:bodyPr rtlCol="0" anchor="ctr"/>
+          <a:lstStyle/>
+          <a:p>
+            <a:pPr algn="ctr"/>
+            <a:endParaRPr lang="zh-TW" altLang="en-US"/>
+          </a:p>
+        </p:txBody>
+      </p:sp>
+      <p:sp>
+        <p:nvSpPr>
+          <p:cNvPr id="67" name="橢圓 66"/>
+          <p:cNvSpPr/>
+          <p:nvPr/>
+        </p:nvSpPr>
+        <p:spPr>
+          <a:xfrm>
+            <a:off x="4073674" y="2505588"/>
+            <a:ext cx="45719" cy="45719"/>
+          </a:xfrm>
+          <a:prstGeom prst="ellipse">
+            <a:avLst/>
+          </a:prstGeom>
+          <a:solidFill>
+            <a:srgbClr val="FF0000"/>
+          </a:solidFill>
+          <a:ln>
+            <a:noFill/>
+            <a:prstDash val="lgDash"/>
+          </a:ln>
+        </p:spPr>
+        <p:style>
+          <a:lnRef idx="2">
+            <a:schemeClr val="accent1">
+              <a:shade val="50000"/>
+            </a:schemeClr>
+          </a:lnRef>
+          <a:fillRef idx="1">
+            <a:schemeClr val="accent1"/>
+          </a:fillRef>
+          <a:effectRef idx="0">
+            <a:schemeClr val="accent1"/>
+          </a:effectRef>
+          <a:fontRef idx="minor">
+            <a:schemeClr val="lt1"/>
+          </a:fontRef>
+        </p:style>
+        <p:txBody>
+          <a:bodyPr rtlCol="0" anchor="ctr"/>
+          <a:lstStyle/>
+          <a:p>
+            <a:pPr algn="ctr"/>
+            <a:endParaRPr lang="zh-TW" altLang="en-US"/>
+          </a:p>
+        </p:txBody>
+      </p:sp>
+      <p:sp>
+        <p:nvSpPr>
+          <p:cNvPr id="69" name="橢圓 68"/>
+          <p:cNvSpPr/>
+          <p:nvPr/>
+        </p:nvSpPr>
+        <p:spPr>
+          <a:xfrm>
+            <a:off x="4416574" y="2378243"/>
+            <a:ext cx="45719" cy="45719"/>
+          </a:xfrm>
+          <a:prstGeom prst="ellipse">
+            <a:avLst/>
+          </a:prstGeom>
+          <a:solidFill>
+            <a:srgbClr val="FF0000"/>
+          </a:solidFill>
+          <a:ln>
+            <a:noFill/>
+            <a:prstDash val="lgDash"/>
+          </a:ln>
+        </p:spPr>
+        <p:style>
+          <a:lnRef idx="2">
+            <a:schemeClr val="accent1">
+              <a:shade val="50000"/>
+            </a:schemeClr>
+          </a:lnRef>
+          <a:fillRef idx="1">
+            <a:schemeClr val="accent1"/>
+          </a:fillRef>
+          <a:effectRef idx="0">
+            <a:schemeClr val="accent1"/>
+          </a:effectRef>
+          <a:fontRef idx="minor">
+            <a:schemeClr val="lt1"/>
+          </a:fontRef>
+        </p:style>
+        <p:txBody>
+          <a:bodyPr rtlCol="0" anchor="ctr"/>
+          <a:lstStyle/>
+          <a:p>
+            <a:pPr algn="ctr"/>
+            <a:endParaRPr lang="zh-TW" altLang="en-US"/>
+          </a:p>
+        </p:txBody>
+      </p:sp>
+      <p:sp>
+        <p:nvSpPr>
+          <p:cNvPr id="72" name="橢圓 71"/>
+          <p:cNvSpPr/>
+          <p:nvPr/>
+        </p:nvSpPr>
+        <p:spPr>
+          <a:xfrm>
+            <a:off x="4697038" y="2401172"/>
+            <a:ext cx="45719" cy="45719"/>
+          </a:xfrm>
+          <a:prstGeom prst="ellipse">
+            <a:avLst/>
+          </a:prstGeom>
+          <a:solidFill>
+            <a:srgbClr val="FF0000"/>
+          </a:solidFill>
+          <a:ln>
+            <a:noFill/>
+            <a:prstDash val="lgDash"/>
+          </a:ln>
+        </p:spPr>
+        <p:style>
+          <a:lnRef idx="2">
+            <a:schemeClr val="accent1">
+              <a:shade val="50000"/>
+            </a:schemeClr>
+          </a:lnRef>
+          <a:fillRef idx="1">
+            <a:schemeClr val="accent1"/>
+          </a:fillRef>
+          <a:effectRef idx="0">
+            <a:schemeClr val="accent1"/>
+          </a:effectRef>
+          <a:fontRef idx="minor">
+            <a:schemeClr val="lt1"/>
+          </a:fontRef>
+        </p:style>
+        <p:txBody>
+          <a:bodyPr rtlCol="0" anchor="ctr"/>
+          <a:lstStyle/>
+          <a:p>
+            <a:pPr algn="ctr"/>
+            <a:endParaRPr lang="zh-TW" altLang="en-US"/>
+          </a:p>
+        </p:txBody>
+      </p:sp>
+      <p:sp>
+        <p:nvSpPr>
+          <p:cNvPr id="74" name="橢圓 73"/>
+          <p:cNvSpPr/>
+          <p:nvPr/>
+        </p:nvSpPr>
+        <p:spPr>
+          <a:xfrm>
+            <a:off x="4907692" y="2577078"/>
+            <a:ext cx="45719" cy="45719"/>
+          </a:xfrm>
+          <a:prstGeom prst="ellipse">
+            <a:avLst/>
+          </a:prstGeom>
+          <a:solidFill>
+            <a:srgbClr val="FF0000"/>
+          </a:solidFill>
+          <a:ln>
+            <a:noFill/>
+            <a:prstDash val="lgDash"/>
+          </a:ln>
+        </p:spPr>
+        <p:style>
+          <a:lnRef idx="2">
+            <a:schemeClr val="accent1">
+              <a:shade val="50000"/>
+            </a:schemeClr>
+          </a:lnRef>
+          <a:fillRef idx="1">
+            <a:schemeClr val="accent1"/>
+          </a:fillRef>
+          <a:effectRef idx="0">
+            <a:schemeClr val="accent1"/>
+          </a:effectRef>
+          <a:fontRef idx="minor">
+            <a:schemeClr val="lt1"/>
+          </a:fontRef>
+        </p:style>
+        <p:txBody>
+          <a:bodyPr rtlCol="0" anchor="ctr"/>
+          <a:lstStyle/>
+          <a:p>
+            <a:pPr algn="ctr"/>
+            <a:endParaRPr lang="zh-TW" altLang="en-US"/>
+          </a:p>
+        </p:txBody>
+      </p:sp>
+      <p:sp>
+        <p:nvSpPr>
+          <p:cNvPr id="76" name="橢圓 75"/>
+          <p:cNvSpPr/>
+          <p:nvPr/>
+        </p:nvSpPr>
+        <p:spPr>
+          <a:xfrm>
+            <a:off x="5065412" y="2854597"/>
+            <a:ext cx="45719" cy="45719"/>
+          </a:xfrm>
+          <a:prstGeom prst="ellipse">
+            <a:avLst/>
+          </a:prstGeom>
+          <a:solidFill>
+            <a:srgbClr val="FF0000"/>
+          </a:solidFill>
+          <a:ln>
+            <a:noFill/>
+            <a:prstDash val="lgDash"/>
+          </a:ln>
+        </p:spPr>
+        <p:style>
+          <a:lnRef idx="2">
+            <a:schemeClr val="accent1">
+              <a:shade val="50000"/>
+            </a:schemeClr>
+          </a:lnRef>
+          <a:fillRef idx="1">
+            <a:schemeClr val="accent1"/>
+          </a:fillRef>
+          <a:effectRef idx="0">
+            <a:schemeClr val="accent1"/>
+          </a:effectRef>
+          <a:fontRef idx="minor">
+            <a:schemeClr val="lt1"/>
+          </a:fontRef>
+        </p:style>
+        <p:txBody>
+          <a:bodyPr rtlCol="0" anchor="ctr"/>
+          <a:lstStyle/>
+          <a:p>
+            <a:pPr algn="ctr"/>
+            <a:endParaRPr lang="zh-TW" altLang="en-US"/>
+          </a:p>
+        </p:txBody>
+      </p:sp>
+      <p:sp>
+        <p:nvSpPr>
+          <p:cNvPr id="78" name="橢圓 77"/>
+          <p:cNvSpPr/>
+          <p:nvPr/>
+        </p:nvSpPr>
+        <p:spPr>
+          <a:xfrm>
+            <a:off x="5163546" y="3173701"/>
+            <a:ext cx="45719" cy="45719"/>
+          </a:xfrm>
+          <a:prstGeom prst="ellipse">
+            <a:avLst/>
+          </a:prstGeom>
+          <a:solidFill>
+            <a:srgbClr val="FF0000"/>
+          </a:solidFill>
+          <a:ln>
+            <a:noFill/>
+            <a:prstDash val="lgDash"/>
+          </a:ln>
+        </p:spPr>
+        <p:style>
+          <a:lnRef idx="2">
+            <a:schemeClr val="accent1">
+              <a:shade val="50000"/>
+            </a:schemeClr>
+          </a:lnRef>
+          <a:fillRef idx="1">
+            <a:schemeClr val="accent1"/>
+          </a:fillRef>
+          <a:effectRef idx="0">
+            <a:schemeClr val="accent1"/>
+          </a:effectRef>
+          <a:fontRef idx="minor">
+            <a:schemeClr val="lt1"/>
+          </a:fontRef>
+        </p:style>
+        <p:txBody>
+          <a:bodyPr rtlCol="0" anchor="ctr"/>
+          <a:lstStyle/>
+          <a:p>
+            <a:pPr algn="ctr"/>
+            <a:endParaRPr lang="zh-TW" altLang="en-US"/>
+          </a:p>
+        </p:txBody>
+      </p:sp>
+      <p:sp>
+        <p:nvSpPr>
+          <p:cNvPr id="80" name="橢圓 79"/>
+          <p:cNvSpPr/>
+          <p:nvPr/>
+        </p:nvSpPr>
+        <p:spPr>
+          <a:xfrm>
+            <a:off x="5249531" y="3534953"/>
+            <a:ext cx="45719" cy="45719"/>
+          </a:xfrm>
+          <a:prstGeom prst="ellipse">
+            <a:avLst/>
+          </a:prstGeom>
+          <a:solidFill>
+            <a:srgbClr val="FF0000"/>
+          </a:solidFill>
+          <a:ln>
+            <a:noFill/>
+            <a:prstDash val="lgDash"/>
+          </a:ln>
+        </p:spPr>
+        <p:style>
+          <a:lnRef idx="2">
+            <a:schemeClr val="accent1">
+              <a:shade val="50000"/>
+            </a:schemeClr>
+          </a:lnRef>
+          <a:fillRef idx="1">
+            <a:schemeClr val="accent1"/>
+          </a:fillRef>
+          <a:effectRef idx="0">
+            <a:schemeClr val="accent1"/>
+          </a:effectRef>
+          <a:fontRef idx="minor">
+            <a:schemeClr val="lt1"/>
+          </a:fontRef>
+        </p:style>
+        <p:txBody>
+          <a:bodyPr rtlCol="0" anchor="ctr"/>
+          <a:lstStyle/>
+          <a:p>
+            <a:pPr algn="ctr"/>
+            <a:endParaRPr lang="zh-TW" altLang="en-US"/>
+          </a:p>
+        </p:txBody>
+      </p:sp>
+      <p:sp>
+        <p:nvSpPr>
+          <p:cNvPr id="82" name="橢圓 81"/>
+          <p:cNvSpPr/>
+          <p:nvPr/>
+        </p:nvSpPr>
+        <p:spPr>
+          <a:xfrm>
+            <a:off x="5322342" y="3946193"/>
+            <a:ext cx="45719" cy="45719"/>
+          </a:xfrm>
+          <a:prstGeom prst="ellipse">
+            <a:avLst/>
+          </a:prstGeom>
+          <a:solidFill>
+            <a:srgbClr val="FF0000"/>
+          </a:solidFill>
+          <a:ln>
+            <a:noFill/>
+            <a:prstDash val="lgDash"/>
+          </a:ln>
+        </p:spPr>
+        <p:style>
+          <a:lnRef idx="2">
+            <a:schemeClr val="accent1">
+              <a:shade val="50000"/>
+            </a:schemeClr>
+          </a:lnRef>
+          <a:fillRef idx="1">
+            <a:schemeClr val="accent1"/>
+          </a:fillRef>
+          <a:effectRef idx="0">
+            <a:schemeClr val="accent1"/>
+          </a:effectRef>
+          <a:fontRef idx="minor">
+            <a:schemeClr val="lt1"/>
+          </a:fontRef>
+        </p:style>
+        <p:txBody>
+          <a:bodyPr rtlCol="0" anchor="ctr"/>
+          <a:lstStyle/>
+          <a:p>
+            <a:pPr algn="ctr"/>
+            <a:endParaRPr lang="zh-TW" altLang="en-US"/>
+          </a:p>
+        </p:txBody>
+      </p:sp>
+      <p:cxnSp>
+        <p:nvCxnSpPr>
+          <p:cNvPr id="86" name="直線接點 85"/>
+          <p:cNvCxnSpPr>
+            <a:stCxn id="60" idx="6"/>
+          </p:cNvCxnSpPr>
+          <p:nvPr/>
+        </p:nvCxnSpPr>
+        <p:spPr>
+          <a:xfrm flipV="1">
+            <a:off x="2508235" y="2577078"/>
+            <a:ext cx="8868484" cy="1267028"/>
+          </a:xfrm>
+          <a:prstGeom prst="line">
+            <a:avLst/>
+          </a:prstGeom>
+          <a:ln>
+            <a:solidFill>
+              <a:srgbClr val="FF0000"/>
+            </a:solidFill>
+            <a:prstDash val="lgDash"/>
+          </a:ln>
+        </p:spPr>
+        <p:style>
+          <a:lnRef idx="1">
+            <a:schemeClr val="accent1"/>
+          </a:lnRef>
+          <a:fillRef idx="0">
+            <a:schemeClr val="accent1"/>
+          </a:fillRef>
+          <a:effectRef idx="0">
+            <a:schemeClr val="accent1"/>
+          </a:effectRef>
+          <a:fontRef idx="minor">
+            <a:schemeClr val="tx1"/>
+          </a:fontRef>
+        </p:style>
+      </p:cxnSp>
+      <p:cxnSp>
+        <p:nvCxnSpPr>
+          <p:cNvPr id="90" name="直線接點 89"/>
+          <p:cNvCxnSpPr>
+            <a:stCxn id="62" idx="5"/>
+          </p:cNvCxnSpPr>
+          <p:nvPr/>
+        </p:nvCxnSpPr>
+        <p:spPr>
+          <a:xfrm flipV="1">
+            <a:off x="2885715" y="2577078"/>
+            <a:ext cx="8491004" cy="920676"/>
+          </a:xfrm>
+          <a:prstGeom prst="line">
+            <a:avLst/>
+          </a:prstGeom>
+          <a:ln>
+            <a:solidFill>
+              <a:srgbClr val="B2B2B2"/>
+            </a:solidFill>
+            <a:prstDash val="lgDash"/>
+          </a:ln>
+        </p:spPr>
+        <p:style>
+          <a:lnRef idx="1">
+            <a:schemeClr val="accent1"/>
+          </a:lnRef>
+          <a:fillRef idx="0">
+            <a:schemeClr val="accent1"/>
+          </a:fillRef>
+          <a:effectRef idx="0">
+            <a:schemeClr val="accent1"/>
+          </a:effectRef>
+          <a:fontRef idx="minor">
+            <a:schemeClr val="tx1"/>
+          </a:fontRef>
+        </p:style>
+      </p:cxnSp>
+      <p:cxnSp>
+        <p:nvCxnSpPr>
+          <p:cNvPr id="94" name="直線接點 93"/>
+          <p:cNvCxnSpPr>
+            <a:stCxn id="63" idx="5"/>
+          </p:cNvCxnSpPr>
+          <p:nvPr/>
+        </p:nvCxnSpPr>
+        <p:spPr>
+          <a:xfrm flipV="1">
+            <a:off x="3314340" y="2577078"/>
+            <a:ext cx="8062379" cy="545114"/>
+          </a:xfrm>
+          <a:prstGeom prst="line">
+            <a:avLst/>
+          </a:prstGeom>
+          <a:ln>
+            <a:solidFill>
+              <a:srgbClr val="B2B2B2"/>
+            </a:solidFill>
+            <a:prstDash val="lgDash"/>
+          </a:ln>
+        </p:spPr>
+        <p:style>
+          <a:lnRef idx="1">
+            <a:schemeClr val="accent1"/>
+          </a:lnRef>
+          <a:fillRef idx="0">
+            <a:schemeClr val="accent1"/>
+          </a:fillRef>
+          <a:effectRef idx="0">
+            <a:schemeClr val="accent1"/>
+          </a:effectRef>
+          <a:fontRef idx="minor">
+            <a:schemeClr val="tx1"/>
+          </a:fontRef>
+        </p:style>
+      </p:cxnSp>
+      <p:cxnSp>
+        <p:nvCxnSpPr>
+          <p:cNvPr id="98" name="直線接點 97"/>
+          <p:cNvCxnSpPr>
+            <a:stCxn id="65" idx="5"/>
+          </p:cNvCxnSpPr>
+          <p:nvPr/>
+        </p:nvCxnSpPr>
+        <p:spPr>
+          <a:xfrm flipV="1">
+            <a:off x="3725503" y="2577078"/>
+            <a:ext cx="7651216" cy="215974"/>
+          </a:xfrm>
+          <a:prstGeom prst="line">
+            <a:avLst/>
+          </a:prstGeom>
+          <a:ln>
+            <a:solidFill>
+              <a:srgbClr val="B2B2B2"/>
+            </a:solidFill>
+            <a:prstDash val="lgDash"/>
+          </a:ln>
+        </p:spPr>
+        <p:style>
+          <a:lnRef idx="1">
+            <a:schemeClr val="accent1"/>
+          </a:lnRef>
+          <a:fillRef idx="0">
+            <a:schemeClr val="accent1"/>
+          </a:fillRef>
+          <a:effectRef idx="0">
+            <a:schemeClr val="accent1"/>
+          </a:effectRef>
+          <a:fontRef idx="minor">
+            <a:schemeClr val="tx1"/>
+          </a:fontRef>
+        </p:style>
+      </p:cxnSp>
+      <p:cxnSp>
+        <p:nvCxnSpPr>
+          <p:cNvPr id="102" name="直線接點 101"/>
+          <p:cNvCxnSpPr>
+            <a:stCxn id="67" idx="5"/>
+          </p:cNvCxnSpPr>
+          <p:nvPr/>
+        </p:nvCxnSpPr>
+        <p:spPr>
+          <a:xfrm>
+            <a:off x="4112698" y="2544612"/>
+            <a:ext cx="7264021" cy="32466"/>
+          </a:xfrm>
+          <a:prstGeom prst="line">
+            <a:avLst/>
+          </a:prstGeom>
+          <a:ln>
+            <a:solidFill>
+              <a:srgbClr val="B2B2B2"/>
+            </a:solidFill>
+            <a:prstDash val="lgDash"/>
+          </a:ln>
+        </p:spPr>
+        <p:style>
+          <a:lnRef idx="1">
+            <a:schemeClr val="accent1"/>
+          </a:lnRef>
+          <a:fillRef idx="0">
+            <a:schemeClr val="accent1"/>
+          </a:fillRef>
+          <a:effectRef idx="0">
+            <a:schemeClr val="accent1"/>
+          </a:effectRef>
+          <a:fontRef idx="minor">
+            <a:schemeClr val="tx1"/>
+          </a:fontRef>
+        </p:style>
+      </p:cxnSp>
+      <p:cxnSp>
+        <p:nvCxnSpPr>
+          <p:cNvPr id="106" name="直線接點 105"/>
+          <p:cNvCxnSpPr>
+            <a:stCxn id="69" idx="5"/>
+          </p:cNvCxnSpPr>
+          <p:nvPr/>
+        </p:nvCxnSpPr>
+        <p:spPr>
+          <a:xfrm>
+            <a:off x="4455598" y="2417267"/>
+            <a:ext cx="6921121" cy="159811"/>
+          </a:xfrm>
+          <a:prstGeom prst="line">
+            <a:avLst/>
+          </a:prstGeom>
+          <a:ln>
+            <a:solidFill>
+              <a:srgbClr val="B2B2B2"/>
+            </a:solidFill>
+            <a:prstDash val="lgDash"/>
+          </a:ln>
+        </p:spPr>
+        <p:style>
+          <a:lnRef idx="1">
+            <a:schemeClr val="accent1"/>
+          </a:lnRef>
+          <a:fillRef idx="0">
+            <a:schemeClr val="accent1"/>
+          </a:fillRef>
+          <a:effectRef idx="0">
+            <a:schemeClr val="accent1"/>
+          </a:effectRef>
+          <a:fontRef idx="minor">
+            <a:schemeClr val="tx1"/>
+          </a:fontRef>
+        </p:style>
+      </p:cxnSp>
+      <p:cxnSp>
+        <p:nvCxnSpPr>
+          <p:cNvPr id="112" name="直線接點 111"/>
+          <p:cNvCxnSpPr>
+            <a:stCxn id="84" idx="5"/>
+          </p:cNvCxnSpPr>
+          <p:nvPr/>
+        </p:nvCxnSpPr>
+        <p:spPr>
+          <a:xfrm flipV="1">
+            <a:off x="5441970" y="2577078"/>
+            <a:ext cx="5934749" cy="1879938"/>
+          </a:xfrm>
+          <a:prstGeom prst="line">
+            <a:avLst/>
+          </a:prstGeom>
+          <a:ln>
+            <a:solidFill>
+              <a:srgbClr val="FF0000"/>
+            </a:solidFill>
+            <a:prstDash val="lgDash"/>
+          </a:ln>
+        </p:spPr>
+        <p:style>
+          <a:lnRef idx="1">
+            <a:schemeClr val="accent1"/>
+          </a:lnRef>
+          <a:fillRef idx="0">
+            <a:schemeClr val="accent1"/>
+          </a:fillRef>
+          <a:effectRef idx="0">
+            <a:schemeClr val="accent1"/>
+          </a:effectRef>
+          <a:fontRef idx="minor">
+            <a:schemeClr val="tx1"/>
+          </a:fontRef>
+        </p:style>
+      </p:cxnSp>
+      <p:cxnSp>
+        <p:nvCxnSpPr>
+          <p:cNvPr id="116" name="直線接點 115"/>
+          <p:cNvCxnSpPr>
+            <a:stCxn id="82" idx="5"/>
+          </p:cNvCxnSpPr>
+          <p:nvPr/>
+        </p:nvCxnSpPr>
+        <p:spPr>
+          <a:xfrm flipV="1">
+            <a:off x="5361366" y="2577078"/>
+            <a:ext cx="6015353" cy="1408139"/>
+          </a:xfrm>
+          <a:prstGeom prst="line">
+            <a:avLst/>
+          </a:prstGeom>
+          <a:ln>
+            <a:solidFill>
+              <a:srgbClr val="B2B2B2"/>
+            </a:solidFill>
+            <a:prstDash val="lgDash"/>
+          </a:ln>
+        </p:spPr>
+        <p:style>
+          <a:lnRef idx="1">
+            <a:schemeClr val="accent1"/>
+          </a:lnRef>
+          <a:fillRef idx="0">
+            <a:schemeClr val="accent1"/>
+          </a:fillRef>
+          <a:effectRef idx="0">
+            <a:schemeClr val="accent1"/>
+          </a:effectRef>
+          <a:fontRef idx="minor">
+            <a:schemeClr val="tx1"/>
+          </a:fontRef>
+        </p:style>
+      </p:cxnSp>
+      <p:cxnSp>
+        <p:nvCxnSpPr>
+          <p:cNvPr id="120" name="直線接點 119"/>
+          <p:cNvCxnSpPr>
+            <a:stCxn id="80" idx="5"/>
+          </p:cNvCxnSpPr>
+          <p:nvPr/>
+        </p:nvCxnSpPr>
+        <p:spPr>
+          <a:xfrm flipV="1">
+            <a:off x="5288555" y="2577078"/>
+            <a:ext cx="6088164" cy="996899"/>
+          </a:xfrm>
+          <a:prstGeom prst="line">
+            <a:avLst/>
+          </a:prstGeom>
+          <a:ln>
+            <a:solidFill>
+              <a:srgbClr val="B2B2B2"/>
+            </a:solidFill>
+            <a:prstDash val="lgDash"/>
+          </a:ln>
+        </p:spPr>
+        <p:style>
+          <a:lnRef idx="1">
+            <a:schemeClr val="accent1"/>
+          </a:lnRef>
+          <a:fillRef idx="0">
+            <a:schemeClr val="accent1"/>
+          </a:fillRef>
+          <a:effectRef idx="0">
+            <a:schemeClr val="accent1"/>
+          </a:effectRef>
+          <a:fontRef idx="minor">
+            <a:schemeClr val="tx1"/>
+          </a:fontRef>
+        </p:style>
+      </p:cxnSp>
+      <p:cxnSp>
+        <p:nvCxnSpPr>
+          <p:cNvPr id="124" name="直線接點 123"/>
+          <p:cNvCxnSpPr>
+            <a:stCxn id="78" idx="5"/>
+          </p:cNvCxnSpPr>
+          <p:nvPr/>
+        </p:nvCxnSpPr>
+        <p:spPr>
+          <a:xfrm flipV="1">
+            <a:off x="5202570" y="2577078"/>
+            <a:ext cx="6174149" cy="635647"/>
+          </a:xfrm>
+          <a:prstGeom prst="line">
+            <a:avLst/>
+          </a:prstGeom>
+          <a:ln>
+            <a:solidFill>
+              <a:srgbClr val="B2B2B2"/>
+            </a:solidFill>
+            <a:prstDash val="lgDash"/>
+          </a:ln>
+        </p:spPr>
+        <p:style>
+          <a:lnRef idx="1">
+            <a:schemeClr val="accent1"/>
+          </a:lnRef>
+          <a:fillRef idx="0">
+            <a:schemeClr val="accent1"/>
+          </a:fillRef>
+          <a:effectRef idx="0">
+            <a:schemeClr val="accent1"/>
+          </a:effectRef>
+          <a:fontRef idx="minor">
+            <a:schemeClr val="tx1"/>
+          </a:fontRef>
+        </p:style>
+      </p:cxnSp>
+      <p:cxnSp>
+        <p:nvCxnSpPr>
+          <p:cNvPr id="128" name="直線接點 127"/>
+          <p:cNvCxnSpPr>
+            <a:stCxn id="76" idx="5"/>
+          </p:cNvCxnSpPr>
+          <p:nvPr/>
+        </p:nvCxnSpPr>
+        <p:spPr>
+          <a:xfrm flipV="1">
+            <a:off x="5104436" y="2577078"/>
+            <a:ext cx="6272283" cy="316543"/>
+          </a:xfrm>
+          <a:prstGeom prst="line">
+            <a:avLst/>
+          </a:prstGeom>
+          <a:ln>
+            <a:solidFill>
+              <a:srgbClr val="B2B2B2"/>
+            </a:solidFill>
+            <a:prstDash val="lgDash"/>
+          </a:ln>
+        </p:spPr>
+        <p:style>
+          <a:lnRef idx="1">
+            <a:schemeClr val="accent1"/>
+          </a:lnRef>
+          <a:fillRef idx="0">
+            <a:schemeClr val="accent1"/>
+          </a:fillRef>
+          <a:effectRef idx="0">
+            <a:schemeClr val="accent1"/>
+          </a:effectRef>
+          <a:fontRef idx="minor">
+            <a:schemeClr val="tx1"/>
+          </a:fontRef>
+        </p:style>
+      </p:cxnSp>
+      <p:cxnSp>
+        <p:nvCxnSpPr>
+          <p:cNvPr id="132" name="直線接點 131"/>
+          <p:cNvCxnSpPr>
+            <a:stCxn id="74" idx="5"/>
+          </p:cNvCxnSpPr>
+          <p:nvPr/>
+        </p:nvCxnSpPr>
+        <p:spPr>
+          <a:xfrm flipV="1">
+            <a:off x="4946716" y="2577078"/>
+            <a:ext cx="6430003" cy="39024"/>
+          </a:xfrm>
+          <a:prstGeom prst="line">
+            <a:avLst/>
+          </a:prstGeom>
+          <a:ln>
+            <a:solidFill>
+              <a:srgbClr val="B2B2B2"/>
+            </a:solidFill>
+            <a:prstDash val="lgDash"/>
+          </a:ln>
+        </p:spPr>
+        <p:style>
+          <a:lnRef idx="1">
+            <a:schemeClr val="accent1"/>
+          </a:lnRef>
+          <a:fillRef idx="0">
+            <a:schemeClr val="accent1"/>
+          </a:fillRef>
+          <a:effectRef idx="0">
+            <a:schemeClr val="accent1"/>
+          </a:effectRef>
+          <a:fontRef idx="minor">
+            <a:schemeClr val="tx1"/>
+          </a:fontRef>
+        </p:style>
+      </p:cxnSp>
+      <p:cxnSp>
+        <p:nvCxnSpPr>
+          <p:cNvPr id="136" name="直線接點 135"/>
+          <p:cNvCxnSpPr>
+            <a:stCxn id="72" idx="5"/>
+          </p:cNvCxnSpPr>
+          <p:nvPr/>
+        </p:nvCxnSpPr>
+        <p:spPr>
+          <a:xfrm>
+            <a:off x="4736062" y="2440196"/>
+            <a:ext cx="6640657" cy="136882"/>
+          </a:xfrm>
+          <a:prstGeom prst="line">
+            <a:avLst/>
+          </a:prstGeom>
+          <a:ln>
+            <a:solidFill>
+              <a:srgbClr val="B2B2B2"/>
+            </a:solidFill>
+            <a:prstDash val="lgDash"/>
+          </a:ln>
+        </p:spPr>
+        <p:style>
+          <a:lnRef idx="1">
+            <a:schemeClr val="accent1"/>
+          </a:lnRef>
+          <a:fillRef idx="0">
+            <a:schemeClr val="accent1"/>
+          </a:fillRef>
+          <a:effectRef idx="0">
+            <a:schemeClr val="accent1"/>
+          </a:effectRef>
+          <a:fontRef idx="minor">
+            <a:schemeClr val="tx1"/>
+          </a:fontRef>
+        </p:style>
+      </p:cxnSp>
+      <p:grpSp>
+        <p:nvGrpSpPr>
+          <p:cNvPr id="415" name="群組 414"/>
+          <p:cNvGrpSpPr/>
+          <p:nvPr/>
+        </p:nvGrpSpPr>
+        <p:grpSpPr>
+          <a:xfrm>
+            <a:off x="8248640" y="1336759"/>
+            <a:ext cx="2864319" cy="3492818"/>
+            <a:chOff x="8462649" y="-127510"/>
+            <a:chExt cx="2864319" cy="3492818"/>
+          </a:xfrm>
+        </p:grpSpPr>
+        <p:cxnSp>
+          <p:nvCxnSpPr>
+            <p:cNvPr id="189" name="直線接點 188"/>
+            <p:cNvCxnSpPr/>
+            <p:nvPr/>
+          </p:nvCxnSpPr>
+          <p:spPr>
+            <a:xfrm>
+              <a:off x="8462649" y="917364"/>
+              <a:ext cx="879417" cy="2432430"/>
+            </a:xfrm>
+            <a:prstGeom prst="line">
+              <a:avLst/>
+            </a:prstGeom>
+            <a:ln>
+              <a:solidFill>
+                <a:srgbClr val="FF0000"/>
+              </a:solidFill>
+            </a:ln>
+          </p:spPr>
+          <p:style>
+            <a:lnRef idx="1">
+              <a:schemeClr val="accent1"/>
+            </a:lnRef>
+            <a:fillRef idx="0">
+              <a:schemeClr val="accent1"/>
+            </a:fillRef>
+            <a:effectRef idx="0">
+              <a:schemeClr val="accent1"/>
+            </a:effectRef>
+            <a:fontRef idx="minor">
+              <a:schemeClr val="tx1"/>
+            </a:fontRef>
+          </p:style>
+        </p:cxnSp>
+        <p:cxnSp>
+          <p:nvCxnSpPr>
+            <p:cNvPr id="194" name="直線接點 193"/>
+            <p:cNvCxnSpPr/>
+            <p:nvPr/>
+          </p:nvCxnSpPr>
+          <p:spPr>
+            <a:xfrm flipV="1">
+              <a:off x="8462649" y="-124391"/>
+              <a:ext cx="2231097" cy="1060804"/>
+            </a:xfrm>
+            <a:prstGeom prst="line">
+              <a:avLst/>
+            </a:prstGeom>
+            <a:ln>
+              <a:solidFill>
+                <a:srgbClr val="FF0000"/>
+              </a:solidFill>
+            </a:ln>
+          </p:spPr>
+          <p:style>
+            <a:lnRef idx="1">
+              <a:schemeClr val="accent1"/>
+            </a:lnRef>
+            <a:fillRef idx="0">
+              <a:schemeClr val="accent1"/>
+            </a:fillRef>
+            <a:effectRef idx="0">
+              <a:schemeClr val="accent1"/>
+            </a:effectRef>
+            <a:fontRef idx="minor">
+              <a:schemeClr val="tx1"/>
+            </a:fontRef>
+          </p:style>
+        </p:cxnSp>
+        <p:cxnSp>
+          <p:nvCxnSpPr>
+            <p:cNvPr id="196" name="直線接點 195"/>
+            <p:cNvCxnSpPr/>
+            <p:nvPr/>
+          </p:nvCxnSpPr>
+          <p:spPr>
+            <a:xfrm flipV="1">
+              <a:off x="9342066" y="1250419"/>
+              <a:ext cx="1984902" cy="2114889"/>
+            </a:xfrm>
+            <a:prstGeom prst="line">
+              <a:avLst/>
+            </a:prstGeom>
+            <a:ln>
+              <a:solidFill>
+                <a:srgbClr val="FF0000"/>
+              </a:solidFill>
+            </a:ln>
+          </p:spPr>
+          <p:style>
+            <a:lnRef idx="1">
+              <a:schemeClr val="accent1"/>
+            </a:lnRef>
+            <a:fillRef idx="0">
+              <a:schemeClr val="accent1"/>
+            </a:fillRef>
+            <a:effectRef idx="0">
+              <a:schemeClr val="accent1"/>
+            </a:effectRef>
+            <a:fontRef idx="minor">
+              <a:schemeClr val="tx1"/>
+            </a:fontRef>
+          </p:style>
+        </p:cxnSp>
+        <p:cxnSp>
+          <p:nvCxnSpPr>
+            <p:cNvPr id="206" name="直線接點 205"/>
+            <p:cNvCxnSpPr/>
+            <p:nvPr/>
+          </p:nvCxnSpPr>
+          <p:spPr>
+            <a:xfrm>
+              <a:off x="10689257" y="-127510"/>
+              <a:ext cx="637711" cy="1377929"/>
+            </a:xfrm>
+            <a:prstGeom prst="line">
+              <a:avLst/>
+            </a:prstGeom>
+            <a:ln>
+              <a:solidFill>
+                <a:srgbClr val="FF0000"/>
+              </a:solidFill>
+            </a:ln>
+          </p:spPr>
+          <p:style>
+            <a:lnRef idx="1">
+              <a:schemeClr val="accent1"/>
+            </a:lnRef>
+            <a:fillRef idx="0">
+              <a:schemeClr val="accent1"/>
+            </a:fillRef>
+            <a:effectRef idx="0">
+              <a:schemeClr val="accent1"/>
+            </a:effectRef>
+            <a:fontRef idx="minor">
+              <a:schemeClr val="tx1"/>
+            </a:fontRef>
+          </p:style>
+        </p:cxnSp>
+      </p:grpSp>
+      <p:sp>
+        <p:nvSpPr>
+          <p:cNvPr id="368" name="手繪多邊形 367"/>
+          <p:cNvSpPr/>
+          <p:nvPr/>
+        </p:nvSpPr>
+        <p:spPr>
+          <a:xfrm>
+            <a:off x="9611558" y="2529300"/>
+            <a:ext cx="537633" cy="425102"/>
+          </a:xfrm>
+          <a:custGeom>
+            <a:avLst/>
+            <a:gdLst>
+              <a:gd name="connsiteX0" fmla="*/ 0 w 537633"/>
+              <a:gd name="connsiteY0" fmla="*/ 302336 h 425102"/>
+              <a:gd name="connsiteX1" fmla="*/ 173566 w 537633"/>
+              <a:gd name="connsiteY1" fmla="*/ 1769 h 425102"/>
+              <a:gd name="connsiteX2" fmla="*/ 537633 w 537633"/>
+              <a:gd name="connsiteY2" fmla="*/ 425102 h 425102"/>
+            </a:gdLst>
+            <a:ahLst/>
+            <a:cxnLst>
+              <a:cxn ang="0">
+                <a:pos x="connsiteX0" y="connsiteY0"/>
+              </a:cxn>
+              <a:cxn ang="0">
+                <a:pos x="connsiteX1" y="connsiteY1"/>
+              </a:cxn>
+              <a:cxn ang="0">
+                <a:pos x="connsiteX2" y="connsiteY2"/>
+              </a:cxn>
+            </a:cxnLst>
+            <a:rect l="l" t="t" r="r" b="b"/>
+            <a:pathLst>
+              <a:path w="537633" h="425102">
+                <a:moveTo>
+                  <a:pt x="0" y="302336"/>
+                </a:moveTo>
+                <a:cubicBezTo>
+                  <a:pt x="41980" y="141822"/>
+                  <a:pt x="83961" y="-18692"/>
+                  <a:pt x="173566" y="1769"/>
+                </a:cubicBezTo>
+                <a:cubicBezTo>
+                  <a:pt x="263172" y="22230"/>
+                  <a:pt x="400402" y="223666"/>
+                  <a:pt x="537633" y="425102"/>
+                </a:cubicBezTo>
+              </a:path>
+            </a:pathLst>
+          </a:custGeom>
+          <a:noFill/>
+          <a:ln>
+            <a:solidFill>
+              <a:srgbClr val="000000"/>
+            </a:solidFill>
+            <a:prstDash val="solid"/>
+            <a:headEnd type="none" w="med" len="med"/>
+            <a:tailEnd type="triangle" w="med" len="med"/>
+          </a:ln>
+        </p:spPr>
+        <p:style>
+          <a:lnRef idx="2">
+            <a:schemeClr val="accent1">
+              <a:shade val="50000"/>
+            </a:schemeClr>
+          </a:lnRef>
+          <a:fillRef idx="1">
+            <a:schemeClr val="accent1"/>
+          </a:fillRef>
+          <a:effectRef idx="0">
+            <a:schemeClr val="accent1"/>
+          </a:effectRef>
+          <a:fontRef idx="minor">
+            <a:schemeClr val="lt1"/>
+          </a:fontRef>
+        </p:style>
+        <p:txBody>
+          <a:bodyPr rtlCol="0" anchor="ctr"/>
+          <a:lstStyle/>
+          <a:p>
+            <a:pPr algn="ctr"/>
+            <a:endParaRPr lang="zh-TW" altLang="en-US"/>
+          </a:p>
+        </p:txBody>
+      </p:sp>
+      <p:grpSp>
+        <p:nvGrpSpPr>
+          <p:cNvPr id="412" name="群組 411"/>
+          <p:cNvGrpSpPr/>
+          <p:nvPr/>
+        </p:nvGrpSpPr>
+        <p:grpSpPr>
+          <a:xfrm>
+            <a:off x="9310991" y="2235517"/>
+            <a:ext cx="1165350" cy="1562844"/>
+            <a:chOff x="9525000" y="3275538"/>
+            <a:chExt cx="1165350" cy="1562844"/>
+          </a:xfrm>
+        </p:grpSpPr>
+        <p:cxnSp>
+          <p:nvCxnSpPr>
+            <p:cNvPr id="401" name="直線接點 400"/>
+            <p:cNvCxnSpPr/>
+            <p:nvPr/>
+          </p:nvCxnSpPr>
+          <p:spPr>
+            <a:xfrm flipH="1">
+              <a:off x="9525002" y="3275538"/>
+              <a:ext cx="475961" cy="287277"/>
+            </a:xfrm>
+            <a:prstGeom prst="line">
+              <a:avLst/>
+            </a:prstGeom>
+            <a:ln>
+              <a:solidFill>
+                <a:schemeClr val="bg1">
+                  <a:lumMod val="50000"/>
+                </a:schemeClr>
+              </a:solidFill>
+            </a:ln>
+          </p:spPr>
+          <p:style>
+            <a:lnRef idx="1">
+              <a:schemeClr val="accent1"/>
+            </a:lnRef>
+            <a:fillRef idx="0">
+              <a:schemeClr val="accent1"/>
+            </a:fillRef>
+            <a:effectRef idx="0">
+              <a:schemeClr val="accent1"/>
+            </a:effectRef>
+            <a:fontRef idx="minor">
+              <a:schemeClr val="tx1"/>
+            </a:fontRef>
+          </p:style>
+        </p:cxnSp>
+        <p:cxnSp>
+          <p:nvCxnSpPr>
+            <p:cNvPr id="402" name="直線接點 401"/>
+            <p:cNvCxnSpPr/>
+            <p:nvPr/>
+          </p:nvCxnSpPr>
+          <p:spPr>
+            <a:xfrm flipH="1">
+              <a:off x="9825567" y="4027023"/>
+              <a:ext cx="864783" cy="811359"/>
+            </a:xfrm>
+            <a:prstGeom prst="line">
+              <a:avLst/>
+            </a:prstGeom>
+            <a:ln>
+              <a:solidFill>
+                <a:schemeClr val="bg1">
+                  <a:lumMod val="50000"/>
+                </a:schemeClr>
+              </a:solidFill>
+            </a:ln>
+          </p:spPr>
+          <p:style>
+            <a:lnRef idx="1">
+              <a:schemeClr val="accent1"/>
+            </a:lnRef>
+            <a:fillRef idx="0">
+              <a:schemeClr val="accent1"/>
+            </a:fillRef>
+            <a:effectRef idx="0">
+              <a:schemeClr val="accent1"/>
+            </a:effectRef>
+            <a:fontRef idx="minor">
+              <a:schemeClr val="tx1"/>
+            </a:fontRef>
+          </p:style>
+        </p:cxnSp>
+        <p:cxnSp>
+          <p:nvCxnSpPr>
+            <p:cNvPr id="403" name="直線接點 402"/>
+            <p:cNvCxnSpPr/>
+            <p:nvPr/>
+          </p:nvCxnSpPr>
+          <p:spPr>
+            <a:xfrm>
+              <a:off x="9525000" y="3562815"/>
+              <a:ext cx="307982" cy="1275567"/>
+            </a:xfrm>
+            <a:prstGeom prst="line">
+              <a:avLst/>
+            </a:prstGeom>
+            <a:ln>
+              <a:solidFill>
+                <a:schemeClr val="bg1">
+                  <a:lumMod val="50000"/>
+                </a:schemeClr>
+              </a:solidFill>
+            </a:ln>
+          </p:spPr>
+          <p:style>
+            <a:lnRef idx="1">
+              <a:schemeClr val="accent1"/>
+            </a:lnRef>
+            <a:fillRef idx="0">
+              <a:schemeClr val="accent1"/>
+            </a:fillRef>
+            <a:effectRef idx="0">
+              <a:schemeClr val="accent1"/>
+            </a:effectRef>
+            <a:fontRef idx="minor">
+              <a:schemeClr val="tx1"/>
+            </a:fontRef>
+          </p:style>
+        </p:cxnSp>
+        <p:cxnSp>
+          <p:nvCxnSpPr>
+            <p:cNvPr id="404" name="直線接點 403"/>
+            <p:cNvCxnSpPr/>
+            <p:nvPr/>
+          </p:nvCxnSpPr>
+          <p:spPr>
+            <a:xfrm>
+              <a:off x="10003900" y="3288183"/>
+              <a:ext cx="685357" cy="738840"/>
+            </a:xfrm>
+            <a:prstGeom prst="line">
+              <a:avLst/>
+            </a:prstGeom>
+            <a:ln>
+              <a:solidFill>
+                <a:schemeClr val="bg1">
+                  <a:lumMod val="50000"/>
+                </a:schemeClr>
+              </a:solidFill>
+            </a:ln>
+          </p:spPr>
+          <p:style>
+            <a:lnRef idx="1">
+              <a:schemeClr val="accent1"/>
+            </a:lnRef>
+            <a:fillRef idx="0">
+              <a:schemeClr val="accent1"/>
+            </a:fillRef>
+            <a:effectRef idx="0">
+              <a:schemeClr val="accent1"/>
+            </a:effectRef>
+            <a:fontRef idx="minor">
+              <a:schemeClr val="tx1"/>
+            </a:fontRef>
+          </p:style>
+        </p:cxnSp>
+      </p:grpSp>
+      <p:cxnSp>
+        <p:nvCxnSpPr>
+          <p:cNvPr id="417" name="直線接點 416"/>
+          <p:cNvCxnSpPr/>
+          <p:nvPr/>
+        </p:nvCxnSpPr>
+        <p:spPr>
+          <a:xfrm>
+            <a:off x="2485375" y="3866965"/>
+            <a:ext cx="0" cy="696104"/>
+          </a:xfrm>
+          <a:prstGeom prst="line">
+            <a:avLst/>
+          </a:prstGeom>
+          <a:ln w="28575">
+            <a:solidFill>
+              <a:srgbClr val="000000"/>
+            </a:solidFill>
+            <a:prstDash val="sysDash"/>
+            <a:headEnd type="none" w="med" len="med"/>
+            <a:tailEnd type="triangle" w="med" len="med"/>
+          </a:ln>
+        </p:spPr>
+        <p:style>
+          <a:lnRef idx="1">
+            <a:schemeClr val="accent1"/>
+          </a:lnRef>
+          <a:fillRef idx="0">
+            <a:schemeClr val="accent1"/>
+          </a:fillRef>
+          <a:effectRef idx="0">
+            <a:schemeClr val="accent1"/>
+          </a:effectRef>
+          <a:fontRef idx="minor">
+            <a:schemeClr val="tx1"/>
+          </a:fontRef>
+        </p:style>
+      </p:cxnSp>
+      <p:cxnSp>
+        <p:nvCxnSpPr>
+          <p:cNvPr id="419" name="直線接點 418"/>
+          <p:cNvCxnSpPr/>
+          <p:nvPr/>
+        </p:nvCxnSpPr>
+        <p:spPr>
+          <a:xfrm>
+            <a:off x="5426090" y="4382960"/>
+            <a:ext cx="0" cy="970684"/>
+          </a:xfrm>
+          <a:prstGeom prst="line">
+            <a:avLst/>
+          </a:prstGeom>
+          <a:ln w="28575">
+            <a:solidFill>
+              <a:srgbClr val="000000"/>
+            </a:solidFill>
+            <a:prstDash val="sysDash"/>
+            <a:headEnd type="none" w="med" len="med"/>
+            <a:tailEnd type="triangle" w="med" len="med"/>
+          </a:ln>
+        </p:spPr>
+        <p:style>
+          <a:lnRef idx="1">
+            <a:schemeClr val="accent1"/>
+          </a:lnRef>
+          <a:fillRef idx="0">
+            <a:schemeClr val="accent1"/>
+          </a:fillRef>
+          <a:effectRef idx="0">
+            <a:schemeClr val="accent1"/>
+          </a:effectRef>
+          <a:fontRef idx="minor">
+            <a:schemeClr val="tx1"/>
+          </a:fontRef>
+        </p:style>
+      </p:cxnSp>
+      <p:sp>
+        <p:nvSpPr>
+          <p:cNvPr id="426" name="橢圓 425"/>
+          <p:cNvSpPr/>
+          <p:nvPr/>
+        </p:nvSpPr>
+        <p:spPr>
+          <a:xfrm>
+            <a:off x="2418037" y="4541899"/>
+            <a:ext cx="137594" cy="68820"/>
+          </a:xfrm>
+          <a:prstGeom prst="ellipse">
+            <a:avLst/>
+          </a:prstGeom>
+          <a:solidFill>
+            <a:srgbClr val="FFC000"/>
+          </a:solidFill>
+          <a:ln>
+            <a:noFill/>
+          </a:ln>
+        </p:spPr>
+        <p:style>
+          <a:lnRef idx="2">
+            <a:schemeClr val="accent1">
+              <a:shade val="50000"/>
+            </a:schemeClr>
+          </a:lnRef>
+          <a:fillRef idx="1">
+            <a:schemeClr val="accent1"/>
+          </a:fillRef>
+          <a:effectRef idx="0">
+            <a:schemeClr val="accent1"/>
+          </a:effectRef>
+          <a:fontRef idx="minor">
+            <a:schemeClr val="lt1"/>
+          </a:fontRef>
+        </p:style>
+        <p:txBody>
+          <a:bodyPr rtlCol="0" anchor="ctr"/>
+          <a:lstStyle/>
+          <a:p>
+            <a:pPr algn="ctr"/>
+            <a:endParaRPr lang="zh-TW" altLang="en-US"/>
+          </a:p>
+        </p:txBody>
+      </p:sp>
+      <p:sp>
+        <p:nvSpPr>
+          <p:cNvPr id="427" name="橢圓 426"/>
+          <p:cNvSpPr/>
+          <p:nvPr/>
+        </p:nvSpPr>
+        <p:spPr>
+          <a:xfrm>
+            <a:off x="5358318" y="5324229"/>
+            <a:ext cx="137594" cy="68820"/>
+          </a:xfrm>
+          <a:prstGeom prst="ellipse">
+            <a:avLst/>
+          </a:prstGeom>
+          <a:solidFill>
+            <a:srgbClr val="FFC000"/>
+          </a:solidFill>
+          <a:ln>
+            <a:noFill/>
+          </a:ln>
+        </p:spPr>
+        <p:style>
+          <a:lnRef idx="2">
+            <a:schemeClr val="accent1">
+              <a:shade val="50000"/>
+            </a:schemeClr>
+          </a:lnRef>
+          <a:fillRef idx="1">
+            <a:schemeClr val="accent1"/>
+          </a:fillRef>
+          <a:effectRef idx="0">
+            <a:schemeClr val="accent1"/>
+          </a:effectRef>
+          <a:fontRef idx="minor">
+            <a:schemeClr val="lt1"/>
+          </a:fontRef>
+        </p:style>
+        <p:txBody>
+          <a:bodyPr rtlCol="0" anchor="ctr"/>
+          <a:lstStyle/>
+          <a:p>
+            <a:pPr algn="ctr"/>
+            <a:endParaRPr lang="zh-TW" altLang="en-US"/>
+          </a:p>
+        </p:txBody>
+      </p:sp>
+      <p:pic>
+        <p:nvPicPr>
+          <p:cNvPr id="36" name="圖片 35"/>
+          <p:cNvPicPr>
+            <a:picLocks noChangeAspect="1"/>
+          </p:cNvPicPr>
+          <p:nvPr/>
+        </p:nvPicPr>
+        <p:blipFill rotWithShape="1">
+          <a:blip r:embed="rId4">
+            <a:clrChange>
+              <a:clrFrom>
+                <a:srgbClr val="FFFFFF"/>
+              </a:clrFrom>
+              <a:clrTo>
+                <a:srgbClr val="FFFFFF">
+                  <a:alpha val="0"/>
+                </a:srgbClr>
+              </a:clrTo>
+            </a:clrChange>
+            <a:extLst>
+              <a:ext uri="{BEBA8EAE-BF5A-486C-A8C5-ECC9F3942E4B}">
+                <a14:imgProps xmlns:a14="http://schemas.microsoft.com/office/drawing/2010/main">
+                  <a14:imgLayer r:embed="rId5">
+                    <a14:imgEffect>
+                      <a14:backgroundRemoval t="0" b="100000" l="0" r="100000">
+                        <a14:foregroundMark x1="92701" y1="3741" x2="78832" y2="30952"/>
+                        <a14:foregroundMark x1="53285" y1="41156" x2="32847" y2="43878"/>
+                      </a14:backgroundRemoval>
+                    </a14:imgEffect>
+                  </a14:imgLayer>
+                </a14:imgProps>
+              </a:ext>
+            </a:extLst>
+          </a:blip>
+          <a:srcRect l="5411" b="2631"/>
+          <a:stretch/>
+        </p:blipFill>
+        <p:spPr>
+          <a:xfrm rot="1831557" flipH="1">
+            <a:off x="5148540" y="4368614"/>
+            <a:ext cx="527473" cy="1165214"/>
+          </a:xfrm>
+          <a:prstGeom prst="rect">
+            <a:avLst/>
+          </a:prstGeom>
+          <a:ln>
+            <a:noFill/>
+            <a:prstDash val="lgDash"/>
+          </a:ln>
+        </p:spPr>
+      </p:pic>
+      <p:sp>
+        <p:nvSpPr>
+          <p:cNvPr id="84" name="橢圓 83"/>
+          <p:cNvSpPr/>
+          <p:nvPr/>
+        </p:nvSpPr>
+        <p:spPr>
+          <a:xfrm>
+            <a:off x="5402946" y="4417992"/>
+            <a:ext cx="45719" cy="45719"/>
+          </a:xfrm>
+          <a:prstGeom prst="ellipse">
+            <a:avLst/>
+          </a:prstGeom>
+          <a:solidFill>
+            <a:srgbClr val="FF0000"/>
+          </a:solidFill>
+          <a:ln>
+            <a:noFill/>
+            <a:prstDash val="lgDash"/>
+          </a:ln>
+        </p:spPr>
+        <p:style>
+          <a:lnRef idx="2">
+            <a:schemeClr val="accent1">
+              <a:shade val="50000"/>
+            </a:schemeClr>
+          </a:lnRef>
+          <a:fillRef idx="1">
+            <a:schemeClr val="accent1"/>
+          </a:fillRef>
+          <a:effectRef idx="0">
+            <a:schemeClr val="accent1"/>
+          </a:effectRef>
+          <a:fontRef idx="minor">
+            <a:schemeClr val="lt1"/>
+          </a:fontRef>
+        </p:style>
+        <p:txBody>
+          <a:bodyPr rtlCol="0" anchor="ctr"/>
+          <a:lstStyle/>
+          <a:p>
+            <a:pPr algn="ctr"/>
+            <a:endParaRPr lang="zh-TW" altLang="en-US"/>
+          </a:p>
+        </p:txBody>
+      </p:sp>
+      <p:cxnSp>
+        <p:nvCxnSpPr>
+          <p:cNvPr id="446" name="直線接點 445"/>
+          <p:cNvCxnSpPr/>
+          <p:nvPr/>
+        </p:nvCxnSpPr>
+        <p:spPr>
+          <a:xfrm flipV="1">
+            <a:off x="6966512" y="1741360"/>
+            <a:ext cx="0" cy="4026470"/>
+          </a:xfrm>
+          <a:prstGeom prst="line">
+            <a:avLst/>
+          </a:prstGeom>
+        </p:spPr>
+        <p:style>
+          <a:lnRef idx="1">
+            <a:schemeClr val="accent1"/>
+          </a:lnRef>
+          <a:fillRef idx="0">
+            <a:schemeClr val="accent1"/>
+          </a:fillRef>
+          <a:effectRef idx="0">
+            <a:schemeClr val="accent1"/>
+          </a:effectRef>
+          <a:fontRef idx="minor">
+            <a:schemeClr val="tx1"/>
+          </a:fontRef>
+        </p:style>
+      </p:cxnSp>
+      <p:cxnSp>
+        <p:nvCxnSpPr>
+          <p:cNvPr id="447" name="直線接點 446"/>
+          <p:cNvCxnSpPr/>
+          <p:nvPr/>
+        </p:nvCxnSpPr>
+        <p:spPr>
+          <a:xfrm flipV="1">
+            <a:off x="630366" y="70614"/>
+            <a:ext cx="0" cy="4026470"/>
+          </a:xfrm>
+          <a:prstGeom prst="line">
+            <a:avLst/>
+          </a:prstGeom>
+        </p:spPr>
+        <p:style>
+          <a:lnRef idx="1">
+            <a:schemeClr val="accent1"/>
+          </a:lnRef>
+          <a:fillRef idx="0">
+            <a:schemeClr val="accent1"/>
+          </a:fillRef>
+          <a:effectRef idx="0">
+            <a:schemeClr val="accent1"/>
+          </a:effectRef>
+          <a:fontRef idx="minor">
+            <a:schemeClr val="tx1"/>
+          </a:fontRef>
+        </p:style>
+      </p:cxnSp>
+      <p:cxnSp>
+        <p:nvCxnSpPr>
+          <p:cNvPr id="448" name="直線接點 447"/>
+          <p:cNvCxnSpPr/>
+          <p:nvPr/>
+        </p:nvCxnSpPr>
+        <p:spPr>
+          <a:xfrm>
+            <a:off x="630366" y="79493"/>
+            <a:ext cx="6336146" cy="1688385"/>
+          </a:xfrm>
+          <a:prstGeom prst="line">
+            <a:avLst/>
+          </a:prstGeom>
+        </p:spPr>
+        <p:style>
+          <a:lnRef idx="1">
+            <a:schemeClr val="accent1"/>
+          </a:lnRef>
+          <a:fillRef idx="0">
+            <a:schemeClr val="accent1"/>
+          </a:fillRef>
+          <a:effectRef idx="0">
+            <a:schemeClr val="accent1"/>
+          </a:effectRef>
+          <a:fontRef idx="minor">
+            <a:schemeClr val="tx1"/>
+          </a:fontRef>
+        </p:style>
+      </p:cxnSp>
+      <p:sp>
+        <p:nvSpPr>
+          <p:cNvPr id="451" name="橢圓 450"/>
+          <p:cNvSpPr/>
+          <p:nvPr/>
+        </p:nvSpPr>
+        <p:spPr>
+          <a:xfrm>
+            <a:off x="11385962" y="2542843"/>
+            <a:ext cx="72952" cy="79617"/>
+          </a:xfrm>
+          <a:prstGeom prst="ellipse">
+            <a:avLst/>
+          </a:prstGeom>
+          <a:solidFill>
+            <a:schemeClr val="tx1"/>
+          </a:solidFill>
+          <a:ln>
+            <a:noFill/>
+          </a:ln>
+        </p:spPr>
+        <p:style>
+          <a:lnRef idx="2">
+            <a:schemeClr val="accent1">
+              <a:shade val="50000"/>
+            </a:schemeClr>
+          </a:lnRef>
+          <a:fillRef idx="1">
+            <a:schemeClr val="accent1"/>
+          </a:fillRef>
+          <a:effectRef idx="0">
+            <a:schemeClr val="accent1"/>
+          </a:effectRef>
+          <a:fontRef idx="minor">
+            <a:schemeClr val="lt1"/>
+          </a:fontRef>
+        </p:style>
+        <p:txBody>
+          <a:bodyPr rtlCol="0" anchor="ctr"/>
+          <a:lstStyle/>
+          <a:p>
+            <a:pPr algn="ctr"/>
+            <a:endParaRPr lang="zh-TW" altLang="en-US"/>
+          </a:p>
+        </p:txBody>
+      </p:sp>
+      <p:sp>
+        <p:nvSpPr>
+          <p:cNvPr id="452" name="文字方塊 451"/>
+          <p:cNvSpPr txBox="1"/>
+          <p:nvPr/>
+        </p:nvSpPr>
+        <p:spPr>
+          <a:xfrm rot="20048604">
+            <a:off x="9128057" y="1336759"/>
+            <a:ext cx="1335302" cy="369332"/>
+          </a:xfrm>
+          <a:prstGeom prst="rect">
+            <a:avLst/>
+          </a:prstGeom>
+          <a:noFill/>
+        </p:spPr>
+        <p:txBody>
+          <a:bodyPr wrap="none" rtlCol="0">
+            <a:spAutoFit/>
+          </a:bodyPr>
+          <a:lstStyle/>
+          <a:p>
+            <a:r>
+              <a:rPr lang="en-US" altLang="zh-TW" dirty="0">
+                <a:solidFill>
+                  <a:srgbClr val="FF0000"/>
+                </a:solidFill>
+              </a:rPr>
+              <a:t>Image plane</a:t>
+            </a:r>
+            <a:endParaRPr lang="zh-TW" altLang="en-US" dirty="0">
+              <a:solidFill>
+                <a:srgbClr val="FF0000"/>
+              </a:solidFill>
+            </a:endParaRPr>
+          </a:p>
+        </p:txBody>
+      </p:sp>
+      <p:sp>
+        <p:nvSpPr>
+          <p:cNvPr id="453" name="文字方塊 452"/>
+          <p:cNvSpPr txBox="1"/>
+          <p:nvPr/>
+        </p:nvSpPr>
+        <p:spPr>
+          <a:xfrm>
+            <a:off x="11132394" y="2201051"/>
+            <a:ext cx="668516" cy="369332"/>
+          </a:xfrm>
+          <a:prstGeom prst="rect">
+            <a:avLst/>
+          </a:prstGeom>
+          <a:noFill/>
+        </p:spPr>
+        <p:txBody>
+          <a:bodyPr wrap="none" rtlCol="0">
+            <a:spAutoFit/>
+          </a:bodyPr>
+          <a:lstStyle/>
+          <a:p>
+            <a:r>
+              <a:rPr lang="en-US" altLang="zh-TW" dirty="0"/>
+              <a:t>Focal</a:t>
+            </a:r>
+            <a:endParaRPr lang="zh-TW" altLang="en-US" dirty="0"/>
+          </a:p>
+        </p:txBody>
+      </p:sp>
+      <p:cxnSp>
+        <p:nvCxnSpPr>
+          <p:cNvPr id="456" name="直線接點 455"/>
+          <p:cNvCxnSpPr/>
+          <p:nvPr/>
+        </p:nvCxnSpPr>
+        <p:spPr>
+          <a:xfrm>
+            <a:off x="630366" y="4079445"/>
+            <a:ext cx="6360047" cy="1694753"/>
+          </a:xfrm>
+          <a:prstGeom prst="line">
+            <a:avLst/>
+          </a:prstGeom>
+        </p:spPr>
+        <p:style>
+          <a:lnRef idx="1">
+            <a:schemeClr val="accent1"/>
+          </a:lnRef>
+          <a:fillRef idx="0">
+            <a:schemeClr val="accent1"/>
+          </a:fillRef>
+          <a:effectRef idx="0">
+            <a:schemeClr val="accent1"/>
+          </a:effectRef>
+          <a:fontRef idx="minor">
+            <a:schemeClr val="tx1"/>
+          </a:fontRef>
+        </p:style>
+      </p:cxnSp>
+      <p:cxnSp>
+        <p:nvCxnSpPr>
+          <p:cNvPr id="457" name="直線接點 456"/>
+          <p:cNvCxnSpPr/>
+          <p:nvPr/>
+        </p:nvCxnSpPr>
+        <p:spPr>
+          <a:xfrm>
+            <a:off x="2538961" y="4569342"/>
+            <a:ext cx="2840841" cy="756995"/>
+          </a:xfrm>
+          <a:prstGeom prst="line">
+            <a:avLst/>
+          </a:prstGeom>
+          <a:ln w="28575">
+            <a:solidFill>
+              <a:srgbClr val="FFC000"/>
+            </a:solidFill>
+            <a:prstDash val="solid"/>
+            <a:headEnd type="none" w="med" len="med"/>
+            <a:tailEnd type="triangle" w="lg" len="lg"/>
+          </a:ln>
+        </p:spPr>
+        <p:style>
+          <a:lnRef idx="1">
+            <a:schemeClr val="accent1"/>
+          </a:lnRef>
+          <a:fillRef idx="0">
+            <a:schemeClr val="accent1"/>
+          </a:fillRef>
+          <a:effectRef idx="0">
+            <a:schemeClr val="accent1"/>
+          </a:effectRef>
+          <a:fontRef idx="minor">
+            <a:schemeClr val="tx1"/>
+          </a:fontRef>
+        </p:style>
+      </p:cxnSp>
+      <p:sp>
+        <p:nvSpPr>
+          <p:cNvPr id="461" name="文字方塊 460"/>
+          <p:cNvSpPr txBox="1"/>
+          <p:nvPr/>
+        </p:nvSpPr>
+        <p:spPr>
+          <a:xfrm rot="861241">
+            <a:off x="5577850" y="1217389"/>
+            <a:ext cx="1490088" cy="369332"/>
+          </a:xfrm>
+          <a:prstGeom prst="rect">
+            <a:avLst/>
+          </a:prstGeom>
+          <a:noFill/>
+        </p:spPr>
+        <p:txBody>
+          <a:bodyPr wrap="none" rtlCol="0">
+            <a:spAutoFit/>
+          </a:bodyPr>
+          <a:lstStyle/>
+          <a:p>
+            <a:r>
+              <a:rPr lang="en-US" altLang="zh-TW" dirty="0" err="1">
+                <a:solidFill>
+                  <a:srgbClr val="68A2D7"/>
+                </a:solidFill>
+              </a:rPr>
+              <a:t>Tracklet</a:t>
+            </a:r>
+            <a:r>
+              <a:rPr lang="en-US" altLang="zh-TW" dirty="0">
+                <a:solidFill>
+                  <a:srgbClr val="68A2D7"/>
+                </a:solidFill>
+              </a:rPr>
+              <a:t> plane</a:t>
+            </a:r>
+            <a:endParaRPr lang="zh-TW" altLang="en-US" dirty="0">
+              <a:solidFill>
+                <a:srgbClr val="68A2D7"/>
+              </a:solidFill>
+            </a:endParaRPr>
+          </a:p>
+        </p:txBody>
+      </p:sp>
+      <p:sp>
+        <p:nvSpPr>
+          <p:cNvPr id="468" name="矩形 467"/>
+          <p:cNvSpPr/>
+          <p:nvPr/>
+        </p:nvSpPr>
+        <p:spPr>
+          <a:xfrm>
+            <a:off x="2485374" y="4202380"/>
+            <a:ext cx="552459" cy="369332"/>
+          </a:xfrm>
+          <a:prstGeom prst="rect">
+            <a:avLst/>
+          </a:prstGeom>
+        </p:spPr>
+        <p:txBody>
+          <a:bodyPr wrap="none">
+            <a:spAutoFit/>
+          </a:bodyPr>
+          <a:lstStyle/>
+          <a:p>
+            <a:r>
+              <a:rPr lang="en-US" altLang="zh-TW" dirty="0" err="1">
+                <a:solidFill>
+                  <a:srgbClr val="FFC000"/>
+                </a:solidFill>
+              </a:rPr>
+              <a:t>P</a:t>
+            </a:r>
+            <a:r>
+              <a:rPr lang="en-US" altLang="zh-TW" baseline="-25000" dirty="0" err="1">
+                <a:solidFill>
+                  <a:srgbClr val="FFC000"/>
+                </a:solidFill>
+              </a:rPr>
+              <a:t>proj</a:t>
+            </a:r>
+            <a:endParaRPr lang="zh-TW" altLang="en-US" dirty="0"/>
+          </a:p>
+        </p:txBody>
+      </p:sp>
+      <p:sp>
+        <p:nvSpPr>
+          <p:cNvPr id="469" name="矩形 468"/>
+          <p:cNvSpPr/>
+          <p:nvPr/>
+        </p:nvSpPr>
+        <p:spPr>
+          <a:xfrm>
+            <a:off x="5432284" y="5049421"/>
+            <a:ext cx="552459" cy="369332"/>
+          </a:xfrm>
+          <a:prstGeom prst="rect">
+            <a:avLst/>
+          </a:prstGeom>
+        </p:spPr>
+        <p:txBody>
+          <a:bodyPr wrap="none">
+            <a:spAutoFit/>
+          </a:bodyPr>
+          <a:lstStyle/>
+          <a:p>
+            <a:r>
+              <a:rPr lang="en-US" altLang="zh-TW" dirty="0" err="1">
+                <a:solidFill>
+                  <a:srgbClr val="FFC000"/>
+                </a:solidFill>
+              </a:rPr>
+              <a:t>P</a:t>
+            </a:r>
+            <a:r>
+              <a:rPr lang="en-US" altLang="zh-TW" baseline="-25000" dirty="0" err="1">
+                <a:solidFill>
+                  <a:srgbClr val="FFC000"/>
+                </a:solidFill>
+              </a:rPr>
+              <a:t>proj</a:t>
+            </a:r>
+            <a:endParaRPr lang="zh-TW" altLang="en-US" dirty="0"/>
+          </a:p>
+        </p:txBody>
+      </p:sp>
+      <p:cxnSp>
+        <p:nvCxnSpPr>
+          <p:cNvPr id="471" name="直線接點 470"/>
+          <p:cNvCxnSpPr>
+            <a:stCxn id="426" idx="3"/>
+          </p:cNvCxnSpPr>
+          <p:nvPr/>
+        </p:nvCxnSpPr>
+        <p:spPr>
+          <a:xfrm flipH="1">
+            <a:off x="1902544" y="4600641"/>
+            <a:ext cx="535643" cy="554279"/>
+          </a:xfrm>
+          <a:prstGeom prst="line">
+            <a:avLst/>
+          </a:prstGeom>
+          <a:ln w="28575">
+            <a:solidFill>
+              <a:srgbClr val="92D050"/>
+            </a:solidFill>
+            <a:prstDash val="solid"/>
+            <a:headEnd type="none" w="med" len="med"/>
+            <a:tailEnd type="triangle" w="lg" len="lg"/>
+          </a:ln>
+        </p:spPr>
+        <p:style>
+          <a:lnRef idx="1">
+            <a:schemeClr val="accent1"/>
+          </a:lnRef>
+          <a:fillRef idx="0">
+            <a:schemeClr val="accent1"/>
+          </a:fillRef>
+          <a:effectRef idx="0">
+            <a:schemeClr val="accent1"/>
+          </a:effectRef>
+          <a:fontRef idx="minor">
+            <a:schemeClr val="tx1"/>
+          </a:fontRef>
+        </p:style>
+      </p:cxnSp>
+      <p:sp>
+        <p:nvSpPr>
+          <p:cNvPr id="478" name="矩形 477"/>
+          <p:cNvSpPr/>
+          <p:nvPr/>
+        </p:nvSpPr>
+        <p:spPr>
+          <a:xfrm rot="18900000">
+            <a:off x="1270075" y="4744416"/>
+            <a:ext cx="807465" cy="369332"/>
+          </a:xfrm>
+          <a:prstGeom prst="rect">
+            <a:avLst/>
+          </a:prstGeom>
+        </p:spPr>
+        <p:txBody>
+          <a:bodyPr wrap="none">
+            <a:spAutoFit/>
+          </a:bodyPr>
+          <a:lstStyle/>
+          <a:p>
+            <a:r>
+              <a:rPr lang="en-US" altLang="zh-TW" dirty="0" err="1">
+                <a:solidFill>
+                  <a:srgbClr val="92D050"/>
+                </a:solidFill>
+              </a:rPr>
+              <a:t>N</a:t>
+            </a:r>
+            <a:r>
+              <a:rPr lang="en-US" altLang="zh-TW" baseline="-25000" dirty="0" err="1">
+                <a:solidFill>
+                  <a:srgbClr val="92D050"/>
+                </a:solidFill>
+              </a:rPr>
+              <a:t>tracklet</a:t>
+            </a:r>
+            <a:endParaRPr lang="zh-TW" altLang="en-US" baseline="-25000" dirty="0">
+              <a:solidFill>
+                <a:srgbClr val="92D050"/>
+              </a:solidFill>
+            </a:endParaRPr>
+          </a:p>
+        </p:txBody>
+      </p:sp>
+      <p:sp>
+        <p:nvSpPr>
+          <p:cNvPr id="480" name="矩形 479"/>
+          <p:cNvSpPr/>
+          <p:nvPr/>
+        </p:nvSpPr>
+        <p:spPr>
+          <a:xfrm>
+            <a:off x="2807336" y="2727728"/>
+            <a:ext cx="514885" cy="369332"/>
+          </a:xfrm>
+          <a:prstGeom prst="rect">
+            <a:avLst/>
+          </a:prstGeom>
+        </p:spPr>
+        <p:txBody>
+          <a:bodyPr wrap="none">
+            <a:spAutoFit/>
+          </a:bodyPr>
+          <a:lstStyle/>
+          <a:p>
+            <a:r>
+              <a:rPr lang="en-US" altLang="zh-TW" dirty="0">
+                <a:solidFill>
+                  <a:srgbClr val="FF0000"/>
+                </a:solidFill>
+              </a:rPr>
+              <a:t>P</a:t>
+            </a:r>
+            <a:r>
+              <a:rPr lang="en-US" altLang="zh-TW" baseline="-25000" dirty="0">
+                <a:solidFill>
+                  <a:srgbClr val="FF0000"/>
+                </a:solidFill>
+              </a:rPr>
+              <a:t>3d</a:t>
+            </a:r>
+            <a:r>
+              <a:rPr lang="en-US" altLang="zh-TW" dirty="0">
+                <a:solidFill>
+                  <a:srgbClr val="FF0000"/>
+                </a:solidFill>
+              </a:rPr>
+              <a:t> </a:t>
+            </a:r>
+            <a:endParaRPr lang="zh-TW" altLang="en-US" dirty="0"/>
+          </a:p>
+        </p:txBody>
+      </p:sp>
+      <p:sp>
+        <p:nvSpPr>
+          <p:cNvPr id="481" name="矩形 480"/>
+          <p:cNvSpPr/>
+          <p:nvPr/>
+        </p:nvSpPr>
+        <p:spPr>
+          <a:xfrm>
+            <a:off x="2485374" y="3065565"/>
+            <a:ext cx="514885" cy="369332"/>
+          </a:xfrm>
+          <a:prstGeom prst="rect">
+            <a:avLst/>
+          </a:prstGeom>
+        </p:spPr>
+        <p:txBody>
+          <a:bodyPr wrap="none">
+            <a:spAutoFit/>
+          </a:bodyPr>
+          <a:lstStyle/>
+          <a:p>
+            <a:r>
+              <a:rPr lang="en-US" altLang="zh-TW" dirty="0">
+                <a:solidFill>
+                  <a:srgbClr val="FF0000"/>
+                </a:solidFill>
+              </a:rPr>
+              <a:t>P</a:t>
+            </a:r>
+            <a:r>
+              <a:rPr lang="en-US" altLang="zh-TW" baseline="-25000" dirty="0">
+                <a:solidFill>
+                  <a:srgbClr val="FF0000"/>
+                </a:solidFill>
+              </a:rPr>
+              <a:t>3d</a:t>
+            </a:r>
+            <a:r>
+              <a:rPr lang="en-US" altLang="zh-TW" dirty="0">
+                <a:solidFill>
+                  <a:srgbClr val="FF0000"/>
+                </a:solidFill>
+              </a:rPr>
+              <a:t> </a:t>
+            </a:r>
+            <a:endParaRPr lang="zh-TW" altLang="en-US" dirty="0"/>
+          </a:p>
+        </p:txBody>
+      </p:sp>
+      <p:sp>
+        <p:nvSpPr>
+          <p:cNvPr id="482" name="矩形 481"/>
+          <p:cNvSpPr/>
+          <p:nvPr/>
+        </p:nvSpPr>
+        <p:spPr>
+          <a:xfrm>
+            <a:off x="2086348" y="3387738"/>
+            <a:ext cx="514885" cy="369332"/>
+          </a:xfrm>
+          <a:prstGeom prst="rect">
+            <a:avLst/>
+          </a:prstGeom>
+        </p:spPr>
+        <p:txBody>
+          <a:bodyPr wrap="none">
+            <a:spAutoFit/>
+          </a:bodyPr>
+          <a:lstStyle/>
+          <a:p>
+            <a:r>
+              <a:rPr lang="en-US" altLang="zh-TW" dirty="0">
+                <a:solidFill>
+                  <a:srgbClr val="FF0000"/>
+                </a:solidFill>
+              </a:rPr>
+              <a:t>P</a:t>
+            </a:r>
+            <a:r>
+              <a:rPr lang="en-US" altLang="zh-TW" baseline="-25000" dirty="0">
+                <a:solidFill>
+                  <a:srgbClr val="FF0000"/>
+                </a:solidFill>
+              </a:rPr>
+              <a:t>3d</a:t>
+            </a:r>
+            <a:r>
+              <a:rPr lang="en-US" altLang="zh-TW" dirty="0">
+                <a:solidFill>
+                  <a:srgbClr val="FF0000"/>
+                </a:solidFill>
+              </a:rPr>
+              <a:t> </a:t>
+            </a:r>
+            <a:endParaRPr lang="zh-TW" altLang="en-US" dirty="0"/>
+          </a:p>
+        </p:txBody>
+      </p:sp>
+      <p:sp>
+        <p:nvSpPr>
+          <p:cNvPr id="484" name="橢圓 483"/>
+          <p:cNvSpPr/>
+          <p:nvPr/>
+        </p:nvSpPr>
+        <p:spPr>
+          <a:xfrm>
+            <a:off x="9585771" y="2802060"/>
+            <a:ext cx="45719" cy="45719"/>
+          </a:xfrm>
+          <a:prstGeom prst="ellipse">
+            <a:avLst/>
+          </a:prstGeom>
+          <a:solidFill>
+            <a:srgbClr val="7030A0"/>
+          </a:solidFill>
+          <a:ln>
+            <a:noFill/>
+            <a:prstDash val="lgDash"/>
+          </a:ln>
+        </p:spPr>
+        <p:style>
+          <a:lnRef idx="2">
+            <a:schemeClr val="accent1">
+              <a:shade val="50000"/>
+            </a:schemeClr>
+          </a:lnRef>
+          <a:fillRef idx="1">
+            <a:schemeClr val="accent1"/>
+          </a:fillRef>
+          <a:effectRef idx="0">
+            <a:schemeClr val="accent1"/>
+          </a:effectRef>
+          <a:fontRef idx="minor">
+            <a:schemeClr val="lt1"/>
+          </a:fontRef>
+        </p:style>
+        <p:txBody>
+          <a:bodyPr rtlCol="0" anchor="ctr"/>
+          <a:lstStyle/>
+          <a:p>
+            <a:pPr algn="ctr"/>
+            <a:endParaRPr lang="zh-TW" altLang="en-US"/>
+          </a:p>
+        </p:txBody>
+      </p:sp>
+      <p:sp>
+        <p:nvSpPr>
+          <p:cNvPr id="485" name="橢圓 484"/>
+          <p:cNvSpPr/>
+          <p:nvPr/>
+        </p:nvSpPr>
+        <p:spPr>
+          <a:xfrm>
+            <a:off x="9608116" y="2727505"/>
+            <a:ext cx="45719" cy="45719"/>
+          </a:xfrm>
+          <a:prstGeom prst="ellipse">
+            <a:avLst/>
+          </a:prstGeom>
+          <a:solidFill>
+            <a:srgbClr val="7030A0"/>
+          </a:solidFill>
+          <a:ln>
+            <a:noFill/>
+            <a:prstDash val="lgDash"/>
+          </a:ln>
+        </p:spPr>
+        <p:style>
+          <a:lnRef idx="2">
+            <a:schemeClr val="accent1">
+              <a:shade val="50000"/>
+            </a:schemeClr>
+          </a:lnRef>
+          <a:fillRef idx="1">
+            <a:schemeClr val="accent1"/>
+          </a:fillRef>
+          <a:effectRef idx="0">
+            <a:schemeClr val="accent1"/>
+          </a:effectRef>
+          <a:fontRef idx="minor">
+            <a:schemeClr val="lt1"/>
+          </a:fontRef>
+        </p:style>
+        <p:txBody>
+          <a:bodyPr rtlCol="0" anchor="ctr"/>
+          <a:lstStyle/>
+          <a:p>
+            <a:pPr algn="ctr"/>
+            <a:endParaRPr lang="zh-TW" altLang="en-US"/>
+          </a:p>
+        </p:txBody>
+      </p:sp>
+      <p:sp>
+        <p:nvSpPr>
+          <p:cNvPr id="486" name="橢圓 485"/>
+          <p:cNvSpPr/>
+          <p:nvPr/>
+        </p:nvSpPr>
+        <p:spPr>
+          <a:xfrm>
+            <a:off x="9634385" y="2657419"/>
+            <a:ext cx="45719" cy="45719"/>
+          </a:xfrm>
+          <a:prstGeom prst="ellipse">
+            <a:avLst/>
+          </a:prstGeom>
+          <a:solidFill>
+            <a:srgbClr val="7030A0"/>
+          </a:solidFill>
+          <a:ln>
+            <a:noFill/>
+            <a:prstDash val="lgDash"/>
+          </a:ln>
+        </p:spPr>
+        <p:style>
+          <a:lnRef idx="2">
+            <a:schemeClr val="accent1">
+              <a:shade val="50000"/>
+            </a:schemeClr>
+          </a:lnRef>
+          <a:fillRef idx="1">
+            <a:schemeClr val="accent1"/>
+          </a:fillRef>
+          <a:effectRef idx="0">
+            <a:schemeClr val="accent1"/>
+          </a:effectRef>
+          <a:fontRef idx="minor">
+            <a:schemeClr val="lt1"/>
+          </a:fontRef>
+        </p:style>
+        <p:txBody>
+          <a:bodyPr rtlCol="0" anchor="ctr"/>
+          <a:lstStyle/>
+          <a:p>
+            <a:pPr algn="ctr"/>
+            <a:endParaRPr lang="zh-TW" altLang="en-US"/>
+          </a:p>
+        </p:txBody>
+      </p:sp>
+      <p:sp>
+        <p:nvSpPr>
+          <p:cNvPr id="487" name="橢圓 486"/>
+          <p:cNvSpPr/>
+          <p:nvPr/>
+        </p:nvSpPr>
+        <p:spPr>
+          <a:xfrm>
+            <a:off x="9725744" y="2512870"/>
+            <a:ext cx="45719" cy="45719"/>
+          </a:xfrm>
+          <a:prstGeom prst="ellipse">
+            <a:avLst/>
+          </a:prstGeom>
+          <a:solidFill>
+            <a:srgbClr val="7030A0"/>
+          </a:solidFill>
+          <a:ln>
+            <a:noFill/>
+            <a:prstDash val="lgDash"/>
+          </a:ln>
+        </p:spPr>
+        <p:style>
+          <a:lnRef idx="2">
+            <a:schemeClr val="accent1">
+              <a:shade val="50000"/>
+            </a:schemeClr>
+          </a:lnRef>
+          <a:fillRef idx="1">
+            <a:schemeClr val="accent1"/>
+          </a:fillRef>
+          <a:effectRef idx="0">
+            <a:schemeClr val="accent1"/>
+          </a:effectRef>
+          <a:fontRef idx="minor">
+            <a:schemeClr val="lt1"/>
+          </a:fontRef>
+        </p:style>
+        <p:txBody>
+          <a:bodyPr rtlCol="0" anchor="ctr"/>
+          <a:lstStyle/>
+          <a:p>
+            <a:pPr algn="ctr"/>
+            <a:endParaRPr lang="zh-TW" altLang="en-US"/>
+          </a:p>
+        </p:txBody>
+      </p:sp>
+      <p:sp>
+        <p:nvSpPr>
+          <p:cNvPr id="488" name="橢圓 487"/>
+          <p:cNvSpPr/>
+          <p:nvPr/>
+        </p:nvSpPr>
+        <p:spPr>
+          <a:xfrm>
+            <a:off x="9666419" y="2577798"/>
+            <a:ext cx="45719" cy="45719"/>
+          </a:xfrm>
+          <a:prstGeom prst="ellipse">
+            <a:avLst/>
+          </a:prstGeom>
+          <a:solidFill>
+            <a:srgbClr val="7030A0"/>
+          </a:solidFill>
+          <a:ln>
+            <a:noFill/>
+            <a:prstDash val="lgDash"/>
+          </a:ln>
+        </p:spPr>
+        <p:style>
+          <a:lnRef idx="2">
+            <a:schemeClr val="accent1">
+              <a:shade val="50000"/>
+            </a:schemeClr>
+          </a:lnRef>
+          <a:fillRef idx="1">
+            <a:schemeClr val="accent1"/>
+          </a:fillRef>
+          <a:effectRef idx="0">
+            <a:schemeClr val="accent1"/>
+          </a:effectRef>
+          <a:fontRef idx="minor">
+            <a:schemeClr val="lt1"/>
+          </a:fontRef>
+        </p:style>
+        <p:txBody>
+          <a:bodyPr rtlCol="0" anchor="ctr"/>
+          <a:lstStyle/>
+          <a:p>
+            <a:pPr algn="ctr"/>
+            <a:endParaRPr lang="zh-TW" altLang="en-US"/>
+          </a:p>
+        </p:txBody>
+      </p:sp>
+      <p:sp>
+        <p:nvSpPr>
+          <p:cNvPr id="490" name="橢圓 489"/>
+          <p:cNvSpPr/>
+          <p:nvPr/>
+        </p:nvSpPr>
+        <p:spPr>
+          <a:xfrm>
+            <a:off x="9954402" y="2687694"/>
+            <a:ext cx="45719" cy="45719"/>
+          </a:xfrm>
+          <a:prstGeom prst="ellipse">
+            <a:avLst/>
+          </a:prstGeom>
+          <a:solidFill>
+            <a:srgbClr val="7030A0"/>
+          </a:solidFill>
+          <a:ln>
+            <a:noFill/>
+            <a:prstDash val="lgDash"/>
+          </a:ln>
+        </p:spPr>
+        <p:style>
+          <a:lnRef idx="2">
+            <a:schemeClr val="accent1">
+              <a:shade val="50000"/>
+            </a:schemeClr>
+          </a:lnRef>
+          <a:fillRef idx="1">
+            <a:schemeClr val="accent1"/>
+          </a:fillRef>
+          <a:effectRef idx="0">
+            <a:schemeClr val="accent1"/>
+          </a:effectRef>
+          <a:fontRef idx="minor">
+            <a:schemeClr val="lt1"/>
+          </a:fontRef>
+        </p:style>
+        <p:txBody>
+          <a:bodyPr rtlCol="0" anchor="ctr"/>
+          <a:lstStyle/>
+          <a:p>
+            <a:pPr algn="ctr"/>
+            <a:endParaRPr lang="zh-TW" altLang="en-US"/>
+          </a:p>
+        </p:txBody>
+      </p:sp>
+      <p:sp>
+        <p:nvSpPr>
+          <p:cNvPr id="491" name="橢圓 490"/>
+          <p:cNvSpPr/>
+          <p:nvPr/>
+        </p:nvSpPr>
+        <p:spPr>
+          <a:xfrm>
+            <a:off x="10003754" y="2762585"/>
+            <a:ext cx="45719" cy="45719"/>
+          </a:xfrm>
+          <a:prstGeom prst="ellipse">
+            <a:avLst/>
+          </a:prstGeom>
+          <a:solidFill>
+            <a:srgbClr val="7030A0"/>
+          </a:solidFill>
+          <a:ln>
+            <a:noFill/>
+            <a:prstDash val="lgDash"/>
+          </a:ln>
+        </p:spPr>
+        <p:style>
+          <a:lnRef idx="2">
+            <a:schemeClr val="accent1">
+              <a:shade val="50000"/>
+            </a:schemeClr>
+          </a:lnRef>
+          <a:fillRef idx="1">
+            <a:schemeClr val="accent1"/>
+          </a:fillRef>
+          <a:effectRef idx="0">
+            <a:schemeClr val="accent1"/>
+          </a:effectRef>
+          <a:fontRef idx="minor">
+            <a:schemeClr val="lt1"/>
+          </a:fontRef>
+        </p:style>
+        <p:txBody>
+          <a:bodyPr rtlCol="0" anchor="ctr"/>
+          <a:lstStyle/>
+          <a:p>
+            <a:pPr algn="ctr"/>
+            <a:endParaRPr lang="zh-TW" altLang="en-US"/>
+          </a:p>
+        </p:txBody>
+      </p:sp>
+      <p:sp>
+        <p:nvSpPr>
+          <p:cNvPr id="492" name="橢圓 491"/>
+          <p:cNvSpPr/>
+          <p:nvPr/>
+        </p:nvSpPr>
+        <p:spPr>
+          <a:xfrm>
+            <a:off x="10060115" y="2838921"/>
+            <a:ext cx="45719" cy="45719"/>
+          </a:xfrm>
+          <a:prstGeom prst="ellipse">
+            <a:avLst/>
+          </a:prstGeom>
+          <a:solidFill>
+            <a:srgbClr val="7030A0"/>
+          </a:solidFill>
+          <a:ln>
+            <a:noFill/>
+            <a:prstDash val="lgDash"/>
+          </a:ln>
+        </p:spPr>
+        <p:style>
+          <a:lnRef idx="2">
+            <a:schemeClr val="accent1">
+              <a:shade val="50000"/>
+            </a:schemeClr>
+          </a:lnRef>
+          <a:fillRef idx="1">
+            <a:schemeClr val="accent1"/>
+          </a:fillRef>
+          <a:effectRef idx="0">
+            <a:schemeClr val="accent1"/>
+          </a:effectRef>
+          <a:fontRef idx="minor">
+            <a:schemeClr val="lt1"/>
+          </a:fontRef>
+        </p:style>
+        <p:txBody>
+          <a:bodyPr rtlCol="0" anchor="ctr"/>
+          <a:lstStyle/>
+          <a:p>
+            <a:pPr algn="ctr"/>
+            <a:endParaRPr lang="zh-TW" altLang="en-US"/>
+          </a:p>
+        </p:txBody>
+      </p:sp>
+      <p:sp>
+        <p:nvSpPr>
+          <p:cNvPr id="493" name="橢圓 492"/>
+          <p:cNvSpPr/>
+          <p:nvPr/>
+        </p:nvSpPr>
+        <p:spPr>
+          <a:xfrm>
+            <a:off x="10126878" y="2934724"/>
+            <a:ext cx="45719" cy="45719"/>
+          </a:xfrm>
+          <a:prstGeom prst="ellipse">
+            <a:avLst/>
+          </a:prstGeom>
+          <a:solidFill>
+            <a:srgbClr val="7030A0"/>
+          </a:solidFill>
+          <a:ln>
+            <a:noFill/>
+            <a:prstDash val="lgDash"/>
+          </a:ln>
+        </p:spPr>
+        <p:style>
+          <a:lnRef idx="2">
+            <a:schemeClr val="accent1">
+              <a:shade val="50000"/>
+            </a:schemeClr>
+          </a:lnRef>
+          <a:fillRef idx="1">
+            <a:schemeClr val="accent1"/>
+          </a:fillRef>
+          <a:effectRef idx="0">
+            <a:schemeClr val="accent1"/>
+          </a:effectRef>
+          <a:fontRef idx="minor">
+            <a:schemeClr val="lt1"/>
+          </a:fontRef>
+        </p:style>
+        <p:txBody>
+          <a:bodyPr rtlCol="0" anchor="ctr"/>
+          <a:lstStyle/>
+          <a:p>
+            <a:pPr algn="ctr"/>
+            <a:endParaRPr lang="zh-TW" altLang="en-US"/>
+          </a:p>
+        </p:txBody>
+      </p:sp>
+      <p:sp>
+        <p:nvSpPr>
+          <p:cNvPr id="494" name="矩形 493"/>
+          <p:cNvSpPr/>
+          <p:nvPr/>
+        </p:nvSpPr>
+        <p:spPr>
+          <a:xfrm>
+            <a:off x="9897466" y="2144257"/>
+            <a:ext cx="461986" cy="369332"/>
+          </a:xfrm>
+          <a:prstGeom prst="rect">
+            <a:avLst/>
+          </a:prstGeom>
+        </p:spPr>
+        <p:txBody>
+          <a:bodyPr wrap="none">
+            <a:spAutoFit/>
+          </a:bodyPr>
+          <a:lstStyle/>
+          <a:p>
+            <a:r>
+              <a:rPr lang="en-US" altLang="zh-TW" dirty="0">
+                <a:solidFill>
+                  <a:srgbClr val="7030A0"/>
+                </a:solidFill>
+              </a:rPr>
+              <a:t>P</a:t>
+            </a:r>
+            <a:r>
+              <a:rPr lang="en-US" altLang="zh-TW" baseline="-25000" dirty="0">
+                <a:solidFill>
+                  <a:srgbClr val="7030A0"/>
+                </a:solidFill>
+              </a:rPr>
+              <a:t>2d</a:t>
+            </a:r>
+            <a:endParaRPr lang="zh-TW" altLang="en-US" dirty="0"/>
+          </a:p>
+        </p:txBody>
+      </p:sp>
+      <p:sp>
+        <p:nvSpPr>
+          <p:cNvPr id="495" name="橢圓 494"/>
+          <p:cNvSpPr/>
+          <p:nvPr/>
+        </p:nvSpPr>
+        <p:spPr>
+          <a:xfrm>
+            <a:off x="9844981" y="2560724"/>
+            <a:ext cx="45719" cy="45719"/>
+          </a:xfrm>
+          <a:prstGeom prst="ellipse">
+            <a:avLst/>
+          </a:prstGeom>
+          <a:solidFill>
+            <a:srgbClr val="7030A0"/>
+          </a:solidFill>
+          <a:ln>
+            <a:noFill/>
+            <a:prstDash val="lgDash"/>
+          </a:ln>
+        </p:spPr>
+        <p:style>
+          <a:lnRef idx="2">
+            <a:schemeClr val="accent1">
+              <a:shade val="50000"/>
+            </a:schemeClr>
+          </a:lnRef>
+          <a:fillRef idx="1">
+            <a:schemeClr val="accent1"/>
+          </a:fillRef>
+          <a:effectRef idx="0">
+            <a:schemeClr val="accent1"/>
+          </a:effectRef>
+          <a:fontRef idx="minor">
+            <a:schemeClr val="lt1"/>
+          </a:fontRef>
+        </p:style>
+        <p:txBody>
+          <a:bodyPr rtlCol="0" anchor="ctr"/>
+          <a:lstStyle/>
+          <a:p>
+            <a:pPr algn="ctr"/>
+            <a:endParaRPr lang="zh-TW" altLang="en-US"/>
+          </a:p>
+        </p:txBody>
+      </p:sp>
+      <p:sp>
+        <p:nvSpPr>
+          <p:cNvPr id="496" name="橢圓 495"/>
+          <p:cNvSpPr/>
+          <p:nvPr/>
+        </p:nvSpPr>
+        <p:spPr>
+          <a:xfrm>
+            <a:off x="9903455" y="2620278"/>
+            <a:ext cx="45719" cy="45719"/>
+          </a:xfrm>
+          <a:prstGeom prst="ellipse">
+            <a:avLst/>
+          </a:prstGeom>
+          <a:solidFill>
+            <a:srgbClr val="7030A0"/>
+          </a:solidFill>
+          <a:ln>
+            <a:noFill/>
+            <a:prstDash val="lgDash"/>
+          </a:ln>
+        </p:spPr>
+        <p:style>
+          <a:lnRef idx="2">
+            <a:schemeClr val="accent1">
+              <a:shade val="50000"/>
+            </a:schemeClr>
+          </a:lnRef>
+          <a:fillRef idx="1">
+            <a:schemeClr val="accent1"/>
+          </a:fillRef>
+          <a:effectRef idx="0">
+            <a:schemeClr val="accent1"/>
+          </a:effectRef>
+          <a:fontRef idx="minor">
+            <a:schemeClr val="lt1"/>
+          </a:fontRef>
+        </p:style>
+        <p:txBody>
+          <a:bodyPr rtlCol="0" anchor="ctr"/>
+          <a:lstStyle/>
+          <a:p>
+            <a:pPr algn="ctr"/>
+            <a:endParaRPr lang="zh-TW" altLang="en-US"/>
+          </a:p>
+        </p:txBody>
+      </p:sp>
+      <p:sp>
+        <p:nvSpPr>
+          <p:cNvPr id="497" name="橢圓 496"/>
+          <p:cNvSpPr/>
+          <p:nvPr/>
+        </p:nvSpPr>
+        <p:spPr>
+          <a:xfrm>
+            <a:off x="9789891" y="2518294"/>
+            <a:ext cx="45719" cy="45719"/>
+          </a:xfrm>
+          <a:prstGeom prst="ellipse">
+            <a:avLst/>
+          </a:prstGeom>
+          <a:solidFill>
+            <a:srgbClr val="7030A0"/>
+          </a:solidFill>
+          <a:ln>
+            <a:noFill/>
+            <a:prstDash val="lgDash"/>
+          </a:ln>
+        </p:spPr>
+        <p:style>
+          <a:lnRef idx="2">
+            <a:schemeClr val="accent1">
+              <a:shade val="50000"/>
+            </a:schemeClr>
+          </a:lnRef>
+          <a:fillRef idx="1">
+            <a:schemeClr val="accent1"/>
+          </a:fillRef>
+          <a:effectRef idx="0">
+            <a:schemeClr val="accent1"/>
+          </a:effectRef>
+          <a:fontRef idx="minor">
+            <a:schemeClr val="lt1"/>
+          </a:fontRef>
+        </p:style>
+        <p:txBody>
+          <a:bodyPr rtlCol="0" anchor="ctr"/>
+          <a:lstStyle/>
+          <a:p>
+            <a:pPr algn="ctr"/>
+            <a:endParaRPr lang="zh-TW" altLang="en-US"/>
+          </a:p>
+        </p:txBody>
+      </p:sp>
+    </p:spTree>
+    <p:custDataLst>
+      <p:tags r:id="rId1"/>
+    </p:custDataLst>
+    <p:extLst>
+      <p:ext uri="{BB962C8B-B14F-4D97-AF65-F5344CB8AC3E}">
+        <p14:creationId xmlns:p14="http://schemas.microsoft.com/office/powerpoint/2010/main" val="617660166"/>
+      </p:ext>
+    </p:extLst>
+  </p:cSld>
+  <p:clrMapOvr>
+    <a:masterClrMapping/>
+  </p:clrMapOvr>
+</p:sld>
+</file>
+
+<file path=ppt/slides/slide3.xml><?xml version="1.0" encoding="utf-8"?>
+<p:sld xmlns:a="http://schemas.openxmlformats.org/drawingml/2006/main" xmlns:r="http://schemas.openxmlformats.org/officeDocument/2006/relationships" xmlns:p="http://schemas.openxmlformats.org/presentationml/2006/main">
+  <p:cSld>
+    <p:spTree>
+      <p:nvGrpSpPr>
+        <p:cNvPr id="1" name=""/>
+        <p:cNvGrpSpPr/>
+        <p:nvPr/>
+      </p:nvGrpSpPr>
+      <p:grpSpPr>
+        <a:xfrm>
+          <a:off x="0" y="0"/>
+          <a:ext cx="0" cy="0"/>
+          <a:chOff x="0" y="0"/>
+          <a:chExt cx="0" cy="0"/>
+        </a:xfrm>
+      </p:grpSpPr>
+      <p:pic>
+        <p:nvPicPr>
+          <p:cNvPr id="82" name="圖片 81">
+            <a:extLst>
+              <a:ext uri="{FF2B5EF4-FFF2-40B4-BE49-F238E27FC236}">
+                <a16:creationId xmlns:a16="http://schemas.microsoft.com/office/drawing/2014/main" id="{CB65198E-0AF8-44B4-852C-D03832A18028}"/>
+              </a:ext>
+            </a:extLst>
+          </p:cNvPr>
+          <p:cNvPicPr>
+            <a:picLocks noChangeAspect="1"/>
+          </p:cNvPicPr>
+          <p:nvPr/>
+        </p:nvPicPr>
+        <p:blipFill>
+          <a:blip r:embed="rId3"/>
+          <a:stretch>
+            <a:fillRect/>
+          </a:stretch>
+        </p:blipFill>
+        <p:spPr>
+          <a:xfrm>
+            <a:off x="484145" y="383784"/>
+            <a:ext cx="11223709" cy="6090432"/>
+          </a:xfrm>
+          <a:prstGeom prst="rect">
+            <a:avLst/>
+          </a:prstGeom>
+        </p:spPr>
+      </p:pic>
+    </p:spTree>
+    <p:custDataLst>
+      <p:tags r:id="rId1"/>
+    </p:custDataLst>
+    <p:extLst>
+      <p:ext uri="{BB962C8B-B14F-4D97-AF65-F5344CB8AC3E}">
+        <p14:creationId xmlns:p14="http://schemas.microsoft.com/office/powerpoint/2010/main" val="1163885840"/>
+      </p:ext>
+    </p:extLst>
+  </p:cSld>
+  <p:clrMapOvr>
+    <a:masterClrMapping/>
+  </p:clrMapOvr>
+</p:sld>
+</file>
+
+<file path=ppt/tags/tag1.xml><?xml version="1.0" encoding="utf-8"?>
+<p:tagLst xmlns:a="http://schemas.openxmlformats.org/drawingml/2006/main" xmlns:r="http://schemas.openxmlformats.org/officeDocument/2006/relationships" xmlns:p="http://schemas.openxmlformats.org/presentationml/2006/main">
+  <p:tag name="AMA" val="2.1"/>
+</p:tagLst>
+</file>
+
+<file path=ppt/tags/tag2.xml><?xml version="1.0" encoding="utf-8"?>
+<p:tagLst xmlns:a="http://schemas.openxmlformats.org/drawingml/2006/main" xmlns:r="http://schemas.openxmlformats.org/officeDocument/2006/relationships" xmlns:p="http://schemas.openxmlformats.org/presentationml/2006/main">
+  <p:tag name="AMA" val="2.1"/>
+</p:tagLst>
 </file>
 
 <file path=ppt/theme/theme1.xml><?xml version="1.0" encoding="utf-8"?>
